--- a/translations/ru/lessons/GyroTurningRU.pptx
+++ b/translations/ru/lessons/GyroTurningRU.pptx
@@ -223,7 +223,7 @@
           <a:p>
             <a:fld id="{58040048-1E4D-CD41-AC49-0750EB72586B}" type="datetimeFigureOut">
               <a:rPr lang="en-US" smtClean="0"/>
-              <a:t>6/8/2020</a:t>
+              <a:t>6/11/20</a:t>
             </a:fld>
             <a:endParaRPr lang="en-US"/>
           </a:p>
@@ -389,7 +389,7 @@
           <a:p>
             <a:fld id="{2B8484CF-5098-F24E-8881-583515D5C406}" type="datetimeFigureOut">
               <a:rPr lang="en-US" smtClean="0"/>
-              <a:t>6/8/2020</a:t>
+              <a:t>6/11/20</a:t>
             </a:fld>
             <a:endParaRPr lang="en-US"/>
           </a:p>
@@ -751,7 +751,7 @@
           <p:cNvPr id="8" name="Subtitle 1">
             <a:extLst>
               <a:ext uri="{FF2B5EF4-FFF2-40B4-BE49-F238E27FC236}">
-                <a16:creationId xmlns="" xmlns:a16="http://schemas.microsoft.com/office/drawing/2014/main" id="{227F28FB-346D-45F5-A52C-A1B7DBC13191}"/>
+                <a16:creationId xmlns:a16="http://schemas.microsoft.com/office/drawing/2014/main" id="{227F28FB-346D-45F5-A52C-A1B7DBC13191}"/>
               </a:ext>
             </a:extLst>
           </p:cNvPr>
@@ -978,18 +978,17 @@
               <a:buNone/>
             </a:pPr>
             <a:r>
-              <a:rPr lang="ru-RU" sz="3200" b="1" dirty="0" smtClean="0"/>
+              <a:rPr lang="ru-RU" sz="3200" b="1" dirty="0"/>
               <a:t>УРОКИ</a:t>
             </a:r>
             <a:r>
-              <a:rPr lang="ru-RU" sz="3200" b="1" baseline="0" dirty="0" smtClean="0"/>
+              <a:rPr lang="ru-RU" sz="3200" b="1" baseline="0" dirty="0"/>
               <a:t> ПО </a:t>
             </a:r>
             <a:r>
-              <a:rPr lang="en-US" sz="3200" b="1" dirty="0" smtClean="0"/>
+              <a:rPr lang="en-US" sz="3200" b="1" dirty="0"/>
               <a:t>SPIKE PRIME</a:t>
             </a:r>
-            <a:endParaRPr lang="en-US" sz="3200" b="1" dirty="0"/>
           </a:p>
         </p:txBody>
       </p:sp>
@@ -998,7 +997,7 @@
           <p:cNvPr id="9" name="Picture 8" descr="A picture containing drawing&#10;&#10;Description automatically generated">
             <a:extLst>
               <a:ext uri="{FF2B5EF4-FFF2-40B4-BE49-F238E27FC236}">
-                <a16:creationId xmlns="" xmlns:a16="http://schemas.microsoft.com/office/drawing/2014/main" id="{26780A6E-BC42-443E-B6EE-CF18D754C376}"/>
+                <a16:creationId xmlns:a16="http://schemas.microsoft.com/office/drawing/2014/main" id="{26780A6E-BC42-443E-B6EE-CF18D754C376}"/>
               </a:ext>
             </a:extLst>
           </p:cNvPr>
@@ -1038,7 +1037,7 @@
           <p:cNvPr id="12" name="Picture 11" descr="A picture containing sitting, game, remote, video&#10;&#10;Description automatically generated">
             <a:extLst>
               <a:ext uri="{FF2B5EF4-FFF2-40B4-BE49-F238E27FC236}">
-                <a16:creationId xmlns="" xmlns:a16="http://schemas.microsoft.com/office/drawing/2014/main" id="{19D0660C-C674-40CA-9A39-C1E73533C99D}"/>
+                <a16:creationId xmlns:a16="http://schemas.microsoft.com/office/drawing/2014/main" id="{19D0660C-C674-40CA-9A39-C1E73533C99D}"/>
               </a:ext>
             </a:extLst>
           </p:cNvPr>
@@ -1069,7 +1068,7 @@
           <p:cNvPr id="10" name="Group 9">
             <a:extLst>
               <a:ext uri="{FF2B5EF4-FFF2-40B4-BE49-F238E27FC236}">
-                <a16:creationId xmlns="" xmlns:a16="http://schemas.microsoft.com/office/drawing/2014/main" id="{41A40274-5625-4F3D-8026-50B25AC7D751}"/>
+                <a16:creationId xmlns:a16="http://schemas.microsoft.com/office/drawing/2014/main" id="{41A40274-5625-4F3D-8026-50B25AC7D751}"/>
               </a:ext>
             </a:extLst>
           </p:cNvPr>
@@ -1089,7 +1088,7 @@
             <p:cNvPr id="13" name="Picture 12" descr="A picture containing drawing, window&#10;&#10;Description automatically generated">
               <a:extLst>
                 <a:ext uri="{FF2B5EF4-FFF2-40B4-BE49-F238E27FC236}">
-                  <a16:creationId xmlns="" xmlns:a16="http://schemas.microsoft.com/office/drawing/2014/main" id="{5D298970-664B-4CDB-9433-F9D994915700}"/>
+                  <a16:creationId xmlns:a16="http://schemas.microsoft.com/office/drawing/2014/main" id="{5D298970-664B-4CDB-9433-F9D994915700}"/>
                 </a:ext>
               </a:extLst>
             </p:cNvPr>
@@ -1119,7 +1118,7 @@
             <p:cNvPr id="14" name="Picture 13" descr="A picture containing building, drawing&#10;&#10;Description automatically generated">
               <a:extLst>
                 <a:ext uri="{FF2B5EF4-FFF2-40B4-BE49-F238E27FC236}">
-                  <a16:creationId xmlns="" xmlns:a16="http://schemas.microsoft.com/office/drawing/2014/main" id="{84734939-AB5B-4877-958B-A41539775D8F}"/>
+                  <a16:creationId xmlns:a16="http://schemas.microsoft.com/office/drawing/2014/main" id="{84734939-AB5B-4877-958B-A41539775D8F}"/>
                 </a:ext>
               </a:extLst>
             </p:cNvPr>
@@ -1149,7 +1148,7 @@
             <p:cNvPr id="15" name="Picture 14" descr="A picture containing drawing, holding&#10;&#10;Description automatically generated">
               <a:extLst>
                 <a:ext uri="{FF2B5EF4-FFF2-40B4-BE49-F238E27FC236}">
-                  <a16:creationId xmlns="" xmlns:a16="http://schemas.microsoft.com/office/drawing/2014/main" id="{AED32607-E35E-4969-B22D-1FF09397EE6A}"/>
+                  <a16:creationId xmlns:a16="http://schemas.microsoft.com/office/drawing/2014/main" id="{AED32607-E35E-4969-B22D-1FF09397EE6A}"/>
                 </a:ext>
               </a:extLst>
             </p:cNvPr>
@@ -1179,7 +1178,7 @@
             <p:cNvPr id="16" name="Picture 15" descr="A picture containing drawing, building, purple, window&#10;&#10;Description automatically generated">
               <a:extLst>
                 <a:ext uri="{FF2B5EF4-FFF2-40B4-BE49-F238E27FC236}">
-                  <a16:creationId xmlns="" xmlns:a16="http://schemas.microsoft.com/office/drawing/2014/main" id="{A5389A1C-087E-45A2-812A-E894D5AD2D69}"/>
+                  <a16:creationId xmlns:a16="http://schemas.microsoft.com/office/drawing/2014/main" id="{A5389A1C-087E-45A2-812A-E894D5AD2D69}"/>
                 </a:ext>
               </a:extLst>
             </p:cNvPr>
@@ -1957,7 +1956,7 @@
           <p:cNvPr id="9" name="Straight Connector 8">
             <a:extLst>
               <a:ext uri="{FF2B5EF4-FFF2-40B4-BE49-F238E27FC236}">
-                <a16:creationId xmlns="" xmlns:a16="http://schemas.microsoft.com/office/drawing/2014/main" id="{D59C872A-C57F-4B1F-AFD0-FDF125C3C485}"/>
+                <a16:creationId xmlns:a16="http://schemas.microsoft.com/office/drawing/2014/main" id="{D59C872A-C57F-4B1F-AFD0-FDF125C3C485}"/>
               </a:ext>
             </a:extLst>
           </p:cNvPr>
@@ -2341,7 +2340,7 @@
           <p:cNvPr id="11" name="Rectangle 10">
             <a:extLst>
               <a:ext uri="{FF2B5EF4-FFF2-40B4-BE49-F238E27FC236}">
-                <a16:creationId xmlns="" xmlns:a16="http://schemas.microsoft.com/office/drawing/2014/main" id="{A9F621E0-AEE7-4799-81EB-EB99ED60C8DF}"/>
+                <a16:creationId xmlns:a16="http://schemas.microsoft.com/office/drawing/2014/main" id="{A9F621E0-AEE7-4799-81EB-EB99ED60C8DF}"/>
               </a:ext>
             </a:extLst>
           </p:cNvPr>
@@ -2393,7 +2392,7 @@
           <p:cNvPr id="12" name="Title 1">
             <a:extLst>
               <a:ext uri="{FF2B5EF4-FFF2-40B4-BE49-F238E27FC236}">
-                <a16:creationId xmlns="" xmlns:a16="http://schemas.microsoft.com/office/drawing/2014/main" id="{B40FAB25-E17C-4189-8846-137BC28A1EB3}"/>
+                <a16:creationId xmlns:a16="http://schemas.microsoft.com/office/drawing/2014/main" id="{B40FAB25-E17C-4189-8846-137BC28A1EB3}"/>
               </a:ext>
             </a:extLst>
           </p:cNvPr>
@@ -2681,7 +2680,7 @@
           <p:cNvPr id="9" name="Footer Placeholder 4">
             <a:extLst>
               <a:ext uri="{FF2B5EF4-FFF2-40B4-BE49-F238E27FC236}">
-                <a16:creationId xmlns="" xmlns:a16="http://schemas.microsoft.com/office/drawing/2014/main" id="{593A4B09-24AC-454E-8A0C-D31EDE125503}"/>
+                <a16:creationId xmlns:a16="http://schemas.microsoft.com/office/drawing/2014/main" id="{593A4B09-24AC-454E-8A0C-D31EDE125503}"/>
               </a:ext>
             </a:extLst>
           </p:cNvPr>
@@ -2718,7 +2717,7 @@
           <p:cNvPr id="10" name="Slide Number Placeholder 5">
             <a:extLst>
               <a:ext uri="{FF2B5EF4-FFF2-40B4-BE49-F238E27FC236}">
-                <a16:creationId xmlns="" xmlns:a16="http://schemas.microsoft.com/office/drawing/2014/main" id="{24EC4D01-901A-4258-A65D-27A4329F0F2D}"/>
+                <a16:creationId xmlns:a16="http://schemas.microsoft.com/office/drawing/2014/main" id="{24EC4D01-901A-4258-A65D-27A4329F0F2D}"/>
               </a:ext>
             </a:extLst>
           </p:cNvPr>
@@ -2755,7 +2754,7 @@
           <p:cNvPr id="11" name="Straight Connector 10">
             <a:extLst>
               <a:ext uri="{FF2B5EF4-FFF2-40B4-BE49-F238E27FC236}">
-                <a16:creationId xmlns="" xmlns:a16="http://schemas.microsoft.com/office/drawing/2014/main" id="{BE3A7F9C-E99E-44C1-89A0-A6ED28ADCEF0}"/>
+                <a16:creationId xmlns:a16="http://schemas.microsoft.com/office/drawing/2014/main" id="{BE3A7F9C-E99E-44C1-89A0-A6ED28ADCEF0}"/>
               </a:ext>
             </a:extLst>
           </p:cNvPr>
@@ -2791,7 +2790,7 @@
           <p:cNvPr id="15" name="Rectangle 14">
             <a:extLst>
               <a:ext uri="{FF2B5EF4-FFF2-40B4-BE49-F238E27FC236}">
-                <a16:creationId xmlns="" xmlns:a16="http://schemas.microsoft.com/office/drawing/2014/main" id="{8F86C8F5-3CD8-41C6-A6C4-EF53AE7214CB}"/>
+                <a16:creationId xmlns:a16="http://schemas.microsoft.com/office/drawing/2014/main" id="{8F86C8F5-3CD8-41C6-A6C4-EF53AE7214CB}"/>
               </a:ext>
             </a:extLst>
           </p:cNvPr>
@@ -2843,7 +2842,7 @@
           <p:cNvPr id="16" name="Title 1">
             <a:extLst>
               <a:ext uri="{FF2B5EF4-FFF2-40B4-BE49-F238E27FC236}">
-                <a16:creationId xmlns="" xmlns:a16="http://schemas.microsoft.com/office/drawing/2014/main" id="{389BF07E-558D-420A-943A-465BCC22754A}"/>
+                <a16:creationId xmlns:a16="http://schemas.microsoft.com/office/drawing/2014/main" id="{389BF07E-558D-420A-943A-465BCC22754A}"/>
               </a:ext>
             </a:extLst>
           </p:cNvPr>
@@ -3263,7 +3262,7 @@
           <p:cNvPr id="14" name="Rectangle 13">
             <a:extLst>
               <a:ext uri="{FF2B5EF4-FFF2-40B4-BE49-F238E27FC236}">
-                <a16:creationId xmlns="" xmlns:a16="http://schemas.microsoft.com/office/drawing/2014/main" id="{4E7E6853-34E8-4052-808F-422B5860D591}"/>
+                <a16:creationId xmlns:a16="http://schemas.microsoft.com/office/drawing/2014/main" id="{4E7E6853-34E8-4052-808F-422B5860D591}"/>
               </a:ext>
             </a:extLst>
           </p:cNvPr>
@@ -3315,7 +3314,7 @@
           <p:cNvPr id="15" name="Title 1">
             <a:extLst>
               <a:ext uri="{FF2B5EF4-FFF2-40B4-BE49-F238E27FC236}">
-                <a16:creationId xmlns="" xmlns:a16="http://schemas.microsoft.com/office/drawing/2014/main" id="{0EFA1566-CE68-450F-950A-CED460092EA8}"/>
+                <a16:creationId xmlns:a16="http://schemas.microsoft.com/office/drawing/2014/main" id="{0EFA1566-CE68-450F-950A-CED460092EA8}"/>
               </a:ext>
             </a:extLst>
           </p:cNvPr>
@@ -3386,7 +3385,7 @@
           <p:cNvPr id="7" name="Footer Placeholder 4">
             <a:extLst>
               <a:ext uri="{FF2B5EF4-FFF2-40B4-BE49-F238E27FC236}">
-                <a16:creationId xmlns="" xmlns:a16="http://schemas.microsoft.com/office/drawing/2014/main" id="{42632993-FC7F-42E0-9D01-6C58965FB8BB}"/>
+                <a16:creationId xmlns:a16="http://schemas.microsoft.com/office/drawing/2014/main" id="{42632993-FC7F-42E0-9D01-6C58965FB8BB}"/>
               </a:ext>
             </a:extLst>
           </p:cNvPr>
@@ -3423,7 +3422,7 @@
           <p:cNvPr id="8" name="Slide Number Placeholder 5">
             <a:extLst>
               <a:ext uri="{FF2B5EF4-FFF2-40B4-BE49-F238E27FC236}">
-                <a16:creationId xmlns="" xmlns:a16="http://schemas.microsoft.com/office/drawing/2014/main" id="{57B8D68D-165F-4007-99ED-9807B7E8CBDC}"/>
+                <a16:creationId xmlns:a16="http://schemas.microsoft.com/office/drawing/2014/main" id="{57B8D68D-165F-4007-99ED-9807B7E8CBDC}"/>
               </a:ext>
             </a:extLst>
           </p:cNvPr>
@@ -3460,7 +3459,7 @@
           <p:cNvPr id="9" name="Straight Connector 8">
             <a:extLst>
               <a:ext uri="{FF2B5EF4-FFF2-40B4-BE49-F238E27FC236}">
-                <a16:creationId xmlns="" xmlns:a16="http://schemas.microsoft.com/office/drawing/2014/main" id="{72068E05-BA91-41C0-82CA-8F2AD35C67E8}"/>
+                <a16:creationId xmlns:a16="http://schemas.microsoft.com/office/drawing/2014/main" id="{72068E05-BA91-41C0-82CA-8F2AD35C67E8}"/>
               </a:ext>
             </a:extLst>
           </p:cNvPr>
@@ -3496,7 +3495,7 @@
           <p:cNvPr id="13" name="Rectangle 12">
             <a:extLst>
               <a:ext uri="{FF2B5EF4-FFF2-40B4-BE49-F238E27FC236}">
-                <a16:creationId xmlns="" xmlns:a16="http://schemas.microsoft.com/office/drawing/2014/main" id="{B2971BF8-D77B-4814-931D-48F5EB38C3C1}"/>
+                <a16:creationId xmlns:a16="http://schemas.microsoft.com/office/drawing/2014/main" id="{B2971BF8-D77B-4814-931D-48F5EB38C3C1}"/>
               </a:ext>
             </a:extLst>
           </p:cNvPr>
@@ -3548,7 +3547,7 @@
           <p:cNvPr id="14" name="Title 1">
             <a:extLst>
               <a:ext uri="{FF2B5EF4-FFF2-40B4-BE49-F238E27FC236}">
-                <a16:creationId xmlns="" xmlns:a16="http://schemas.microsoft.com/office/drawing/2014/main" id="{37D59584-71E8-443A-AF13-6C99AD60823A}"/>
+                <a16:creationId xmlns:a16="http://schemas.microsoft.com/office/drawing/2014/main" id="{37D59584-71E8-443A-AF13-6C99AD60823A}"/>
               </a:ext>
             </a:extLst>
           </p:cNvPr>
@@ -3619,7 +3618,7 @@
           <p:cNvPr id="8" name="Rectangle 7">
             <a:extLst>
               <a:ext uri="{FF2B5EF4-FFF2-40B4-BE49-F238E27FC236}">
-                <a16:creationId xmlns="" xmlns:a16="http://schemas.microsoft.com/office/drawing/2014/main" id="{8DE18750-3B08-429F-A276-D977DF7F7295}"/>
+                <a16:creationId xmlns:a16="http://schemas.microsoft.com/office/drawing/2014/main" id="{8DE18750-3B08-429F-A276-D977DF7F7295}"/>
               </a:ext>
             </a:extLst>
           </p:cNvPr>
@@ -3671,7 +3670,7 @@
           <p:cNvPr id="9" name="Title 1">
             <a:extLst>
               <a:ext uri="{FF2B5EF4-FFF2-40B4-BE49-F238E27FC236}">
-                <a16:creationId xmlns="" xmlns:a16="http://schemas.microsoft.com/office/drawing/2014/main" id="{09B12976-4243-42C3-AD82-8647817437DB}"/>
+                <a16:creationId xmlns:a16="http://schemas.microsoft.com/office/drawing/2014/main" id="{09B12976-4243-42C3-AD82-8647817437DB}"/>
               </a:ext>
             </a:extLst>
           </p:cNvPr>
@@ -3712,7 +3711,7 @@
           <p:cNvPr id="10" name="Slide Number Placeholder 5">
             <a:extLst>
               <a:ext uri="{FF2B5EF4-FFF2-40B4-BE49-F238E27FC236}">
-                <a16:creationId xmlns="" xmlns:a16="http://schemas.microsoft.com/office/drawing/2014/main" id="{AB5BF95A-3885-4491-876B-4C99D444A819}"/>
+                <a16:creationId xmlns:a16="http://schemas.microsoft.com/office/drawing/2014/main" id="{AB5BF95A-3885-4491-876B-4C99D444A819}"/>
               </a:ext>
             </a:extLst>
           </p:cNvPr>
@@ -3749,7 +3748,7 @@
           <p:cNvPr id="11" name="Straight Connector 10">
             <a:extLst>
               <a:ext uri="{FF2B5EF4-FFF2-40B4-BE49-F238E27FC236}">
-                <a16:creationId xmlns="" xmlns:a16="http://schemas.microsoft.com/office/drawing/2014/main" id="{A625C0E0-87AD-4A9A-8CC2-D51E549C54AC}"/>
+                <a16:creationId xmlns:a16="http://schemas.microsoft.com/office/drawing/2014/main" id="{A625C0E0-87AD-4A9A-8CC2-D51E549C54AC}"/>
               </a:ext>
             </a:extLst>
           </p:cNvPr>
@@ -3785,7 +3784,7 @@
           <p:cNvPr id="12" name="Footer Placeholder 4">
             <a:extLst>
               <a:ext uri="{FF2B5EF4-FFF2-40B4-BE49-F238E27FC236}">
-                <a16:creationId xmlns="" xmlns:a16="http://schemas.microsoft.com/office/drawing/2014/main" id="{957F6DEB-B3FE-4632-A871-23BAA7FEADD1}"/>
+                <a16:creationId xmlns:a16="http://schemas.microsoft.com/office/drawing/2014/main" id="{957F6DEB-B3FE-4632-A871-23BAA7FEADD1}"/>
               </a:ext>
             </a:extLst>
           </p:cNvPr>
@@ -4782,7 +4781,7 @@
           <p:cNvPr id="12" name="Footer Placeholder 4">
             <a:extLst>
               <a:ext uri="{FF2B5EF4-FFF2-40B4-BE49-F238E27FC236}">
-                <a16:creationId xmlns="" xmlns:a16="http://schemas.microsoft.com/office/drawing/2014/main" id="{9010EC07-0A4A-4C6A-950D-55707B6C7FAB}"/>
+                <a16:creationId xmlns:a16="http://schemas.microsoft.com/office/drawing/2014/main" id="{9010EC07-0A4A-4C6A-950D-55707B6C7FAB}"/>
               </a:ext>
             </a:extLst>
           </p:cNvPr>
@@ -4823,7 +4822,7 @@
           <p:cNvPr id="13" name="Slide Number Placeholder 5">
             <a:extLst>
               <a:ext uri="{FF2B5EF4-FFF2-40B4-BE49-F238E27FC236}">
-                <a16:creationId xmlns="" xmlns:a16="http://schemas.microsoft.com/office/drawing/2014/main" id="{4C4CC031-9FAD-457B-A616-9F45DA2DE9A8}"/>
+                <a16:creationId xmlns:a16="http://schemas.microsoft.com/office/drawing/2014/main" id="{4C4CC031-9FAD-457B-A616-9F45DA2DE9A8}"/>
               </a:ext>
             </a:extLst>
           </p:cNvPr>
@@ -4865,7 +4864,7 @@
           <p:cNvPr id="14" name="Straight Connector 13">
             <a:extLst>
               <a:ext uri="{FF2B5EF4-FFF2-40B4-BE49-F238E27FC236}">
-                <a16:creationId xmlns="" xmlns:a16="http://schemas.microsoft.com/office/drawing/2014/main" id="{6AF90A68-628C-4E8F-BCF5-404070DD47EC}"/>
+                <a16:creationId xmlns:a16="http://schemas.microsoft.com/office/drawing/2014/main" id="{6AF90A68-628C-4E8F-BCF5-404070DD47EC}"/>
               </a:ext>
             </a:extLst>
           </p:cNvPr>
@@ -5312,7 +5311,7 @@
           <p:cNvPr id="2" name="Title 1">
             <a:extLst>
               <a:ext uri="{FF2B5EF4-FFF2-40B4-BE49-F238E27FC236}">
-                <a16:creationId xmlns="" xmlns:a16="http://schemas.microsoft.com/office/drawing/2014/main" id="{D16BC3E9-07DB-4552-A942-72E53C7F1D7B}"/>
+                <a16:creationId xmlns:a16="http://schemas.microsoft.com/office/drawing/2014/main" id="{D16BC3E9-07DB-4552-A942-72E53C7F1D7B}"/>
               </a:ext>
             </a:extLst>
           </p:cNvPr>
@@ -5336,15 +5335,11 @@
           <a:lstStyle/>
           <a:p>
             <a:r>
-              <a:rPr lang="ru-RU" sz="4000" b="1" dirty="0" smtClean="0"/>
+              <a:rPr lang="ru-RU" sz="4000" b="1" dirty="0"/>
               <a:t>Повороты с гироскопом</a:t>
             </a:r>
-            <a:r>
-              <a:rPr lang="ru-RU" dirty="0" smtClean="0"/>
-              <a:t/>
-            </a:r>
             <a:br>
-              <a:rPr lang="ru-RU" dirty="0" smtClean="0"/>
+              <a:rPr lang="ru-RU" dirty="0"/>
             </a:br>
             <a:endParaRPr lang="en-US" sz="2700" dirty="0"/>
           </a:p>
@@ -5355,7 +5350,7 @@
           <p:cNvPr id="3" name="TextBox 2">
             <a:extLst>
               <a:ext uri="{FF2B5EF4-FFF2-40B4-BE49-F238E27FC236}">
-                <a16:creationId xmlns="" xmlns:a16="http://schemas.microsoft.com/office/drawing/2014/main" id="{8613C618-BE4E-4AD7-9CD9-0AB9F17BD5D4}"/>
+                <a16:creationId xmlns:a16="http://schemas.microsoft.com/office/drawing/2014/main" id="{8613C618-BE4E-4AD7-9CD9-0AB9F17BD5D4}"/>
               </a:ext>
             </a:extLst>
           </p:cNvPr>
@@ -5410,7 +5405,7 @@
           <p:cNvPr id="4" name="Subtitle 2">
             <a:extLst>
               <a:ext uri="{FF2B5EF4-FFF2-40B4-BE49-F238E27FC236}">
-                <a16:creationId xmlns="" xmlns:a16="http://schemas.microsoft.com/office/drawing/2014/main" id="{211BF9D1-6614-46BD-A5B9-F242E4ED3910}"/>
+                <a16:creationId xmlns:a16="http://schemas.microsoft.com/office/drawing/2014/main" id="{211BF9D1-6614-46BD-A5B9-F242E4ED3910}"/>
               </a:ext>
             </a:extLst>
           </p:cNvPr>
@@ -5690,36 +5685,6 @@
           </a:p>
         </p:txBody>
       </p:sp>
-      <p:pic>
-        <p:nvPicPr>
-          <p:cNvPr id="5" name="Рисунок 4"/>
-          <p:cNvPicPr>
-            <a:picLocks noChangeAspect="1"/>
-          </p:cNvPicPr>
-          <p:nvPr/>
-        </p:nvPicPr>
-        <p:blipFill>
-          <a:blip r:embed="rId2">
-            <a:extLst>
-              <a:ext uri="{28A0092B-C50C-407E-A947-70E740481C1C}">
-                <a14:useLocalDpi xmlns:a14="http://schemas.microsoft.com/office/drawing/2010/main" val="0"/>
-              </a:ext>
-            </a:extLst>
-          </a:blip>
-          <a:stretch>
-            <a:fillRect/>
-          </a:stretch>
-        </p:blipFill>
-        <p:spPr>
-          <a:xfrm>
-            <a:off x="4143631" y="6355763"/>
-            <a:ext cx="2183027" cy="329637"/>
-          </a:xfrm>
-          <a:prstGeom prst="rect">
-            <a:avLst/>
-          </a:prstGeom>
-        </p:spPr>
-      </p:pic>
     </p:spTree>
     <p:extLst>
       <p:ext uri="{BB962C8B-B14F-4D97-AF65-F5344CB8AC3E}">
@@ -5793,11 +5758,7 @@
           <a:p>
             <a:r>
               <a:rPr lang="ru-RU" b="1" dirty="0"/>
-              <a:t>Как Сделать </a:t>
-            </a:r>
-            <a:r>
-              <a:rPr lang="ru-RU" b="1" dirty="0" smtClean="0"/>
-              <a:t>простой поворот и поворот на месте</a:t>
+              <a:t>Как Сделать простой поворот и поворот на месте</a:t>
             </a:r>
             <a:endParaRPr lang="en-US" b="1" dirty="0"/>
           </a:p>
@@ -5832,28 +5793,28 @@
                 <a:gridCol w="2028821">
                   <a:extLst>
                     <a:ext uri="{9D8B030D-6E8A-4147-A177-3AD203B41FA5}">
-                      <a16:colId xmlns="" xmlns:a16="http://schemas.microsoft.com/office/drawing/2014/main" val="20000"/>
+                      <a16:colId xmlns:a16="http://schemas.microsoft.com/office/drawing/2014/main" val="20000"/>
                     </a:ext>
                   </a:extLst>
                 </a:gridCol>
                 <a:gridCol w="1996362">
                   <a:extLst>
                     <a:ext uri="{9D8B030D-6E8A-4147-A177-3AD203B41FA5}">
-                      <a16:colId xmlns="" xmlns:a16="http://schemas.microsoft.com/office/drawing/2014/main" val="20001"/>
+                      <a16:colId xmlns:a16="http://schemas.microsoft.com/office/drawing/2014/main" val="20001"/>
                     </a:ext>
                   </a:extLst>
                 </a:gridCol>
                 <a:gridCol w="1770334">
                   <a:extLst>
                     <a:ext uri="{9D8B030D-6E8A-4147-A177-3AD203B41FA5}">
-                      <a16:colId xmlns="" xmlns:a16="http://schemas.microsoft.com/office/drawing/2014/main" val="20002"/>
+                      <a16:colId xmlns:a16="http://schemas.microsoft.com/office/drawing/2014/main" val="20002"/>
                     </a:ext>
                   </a:extLst>
                 </a:gridCol>
                 <a:gridCol w="1897776">
                   <a:extLst>
                     <a:ext uri="{9D8B030D-6E8A-4147-A177-3AD203B41FA5}">
-                      <a16:colId xmlns="" xmlns:a16="http://schemas.microsoft.com/office/drawing/2014/main" val="20003"/>
+                      <a16:colId xmlns:a16="http://schemas.microsoft.com/office/drawing/2014/main" val="20003"/>
                     </a:ext>
                   </a:extLst>
                 </a:gridCol>
@@ -5866,11 +5827,11 @@
                     <a:p>
                       <a:pPr lvl="1" algn="ctr"/>
                       <a:r>
-                        <a:rPr lang="ru-RU" dirty="0" smtClean="0"/>
+                        <a:rPr lang="ru-RU" dirty="0"/>
                         <a:t>Движения</a:t>
                       </a:r>
                       <a:r>
-                        <a:rPr lang="ru-RU" baseline="0" dirty="0" smtClean="0"/>
+                        <a:rPr lang="ru-RU" baseline="0" dirty="0"/>
                         <a:t> танка</a:t>
                       </a:r>
                       <a:endParaRPr lang="en-US" dirty="0"/>
@@ -5913,7 +5874,7 @@
                 </a:tc>
                 <a:extLst>
                   <a:ext uri="{0D108BD9-81ED-4DB2-BD59-A6C34878D82A}">
-                    <a16:rowId xmlns="" xmlns:a16="http://schemas.microsoft.com/office/drawing/2014/main" val="10000"/>
+                    <a16:rowId xmlns:a16="http://schemas.microsoft.com/office/drawing/2014/main" val="10000"/>
                   </a:ext>
                 </a:extLst>
               </a:tr>
@@ -5925,7 +5886,7 @@
                     <a:p>
                       <a:pPr algn="ctr"/>
                       <a:r>
-                        <a:rPr lang="ru-RU" b="0" dirty="0" smtClean="0">
+                        <a:rPr lang="ru-RU" b="0" dirty="0">
                           <a:solidFill>
                             <a:schemeClr val="tx1"/>
                           </a:solidFill>
@@ -5933,20 +5894,12 @@
                         <a:t>Скорость</a:t>
                       </a:r>
                       <a:r>
-                        <a:rPr lang="en-US" b="0" dirty="0" smtClean="0">
-                          <a:solidFill>
-                            <a:schemeClr val="tx1"/>
-                          </a:solidFill>
-                        </a:rPr>
-                        <a:t>, </a:t>
-                      </a:r>
-                      <a:r>
                         <a:rPr lang="en-US" b="0" dirty="0">
                           <a:solidFill>
                             <a:schemeClr val="tx1"/>
                           </a:solidFill>
                         </a:rPr>
-                        <a:t>0</a:t>
+                        <a:t>, 0</a:t>
                       </a:r>
                     </a:p>
                   </a:txBody>
@@ -5963,7 +5916,7 @@
                         <a:t>0, </a:t>
                       </a:r>
                       <a:r>
-                        <a:rPr lang="ru-RU" dirty="0" smtClean="0"/>
+                        <a:rPr lang="ru-RU" dirty="0"/>
                         <a:t>Скорость</a:t>
                       </a:r>
                       <a:endParaRPr lang="en-US" b="1" dirty="0">
@@ -5982,22 +5935,18 @@
                     <a:p>
                       <a:pPr algn="ctr"/>
                       <a:r>
-                        <a:rPr lang="ru-RU" dirty="0" smtClean="0"/>
+                        <a:rPr lang="ru-RU" dirty="0"/>
                         <a:t>Скорость</a:t>
                       </a:r>
                       <a:r>
-                        <a:rPr lang="en-US" dirty="0" smtClean="0"/>
+                        <a:rPr lang="en-US" dirty="0"/>
                         <a:t>, </a:t>
                       </a:r>
-                      <a:r>
-                        <a:rPr lang="ru-RU" dirty="0" smtClean="0"/>
-                        <a:t/>
-                      </a:r>
                       <a:br>
-                        <a:rPr lang="ru-RU" dirty="0" smtClean="0"/>
+                        <a:rPr lang="ru-RU" dirty="0"/>
                       </a:br>
                       <a:r>
-                        <a:rPr lang="ru-RU" dirty="0" smtClean="0"/>
+                        <a:rPr lang="ru-RU" dirty="0"/>
                         <a:t>-Скорость</a:t>
                       </a:r>
                       <a:endParaRPr lang="en-US" b="1" dirty="0">
@@ -6032,18 +5981,18 @@
                         <a:defRPr/>
                       </a:pPr>
                       <a:r>
-                        <a:rPr lang="ru-RU" dirty="0" smtClean="0"/>
+                        <a:rPr lang="ru-RU" dirty="0"/>
                         <a:t>-Скорость</a:t>
                       </a:r>
                       <a:r>
-                        <a:rPr lang="en-US" dirty="0" smtClean="0"/>
+                        <a:rPr lang="en-US" dirty="0"/>
                         <a:t>, </a:t>
                       </a:r>
                       <a:r>
-                        <a:rPr lang="ru-RU" dirty="0" smtClean="0"/>
+                        <a:rPr lang="ru-RU" dirty="0"/>
                         <a:t>Скорость</a:t>
                       </a:r>
-                      <a:endParaRPr lang="en-US" b="1" dirty="0" smtClean="0">
+                      <a:endParaRPr lang="en-US" b="1" dirty="0">
                         <a:solidFill>
                           <a:schemeClr val="tx1"/>
                         </a:solidFill>
@@ -6054,7 +6003,7 @@
                 </a:tc>
                 <a:extLst>
                   <a:ext uri="{0D108BD9-81ED-4DB2-BD59-A6C34878D82A}">
-                    <a16:rowId xmlns="" xmlns:a16="http://schemas.microsoft.com/office/drawing/2014/main" val="10001"/>
+                    <a16:rowId xmlns:a16="http://schemas.microsoft.com/office/drawing/2014/main" val="10001"/>
                   </a:ext>
                 </a:extLst>
               </a:tr>
@@ -6101,7 +6050,7 @@
                 </a:tc>
                 <a:extLst>
                   <a:ext uri="{0D108BD9-81ED-4DB2-BD59-A6C34878D82A}">
-                    <a16:rowId xmlns="" xmlns:a16="http://schemas.microsoft.com/office/drawing/2014/main" val="10002"/>
+                    <a16:rowId xmlns:a16="http://schemas.microsoft.com/office/drawing/2014/main" val="10002"/>
                   </a:ext>
                 </a:extLst>
               </a:tr>
@@ -6113,7 +6062,7 @@
                     <a:p>
                       <a:pPr algn="ctr"/>
                       <a:r>
-                        <a:rPr lang="ru-RU" dirty="0" smtClean="0"/>
+                        <a:rPr lang="ru-RU" dirty="0"/>
                         <a:t>Поворот направо</a:t>
                       </a:r>
                       <a:endParaRPr lang="en-US" dirty="0"/>
@@ -6128,7 +6077,7 @@
                     <a:p>
                       <a:pPr algn="ctr"/>
                       <a:r>
-                        <a:rPr lang="ru-RU" dirty="0" smtClean="0"/>
+                        <a:rPr lang="ru-RU" dirty="0"/>
                         <a:t>Поворот налево</a:t>
                       </a:r>
                       <a:endParaRPr lang="en-US" dirty="0"/>
@@ -6143,7 +6092,7 @@
                     <a:p>
                       <a:pPr algn="ctr"/>
                       <a:r>
-                        <a:rPr lang="ru-RU" dirty="0" smtClean="0"/>
+                        <a:rPr lang="ru-RU" dirty="0"/>
                         <a:t>Поворот на месте направо</a:t>
                       </a:r>
                       <a:endParaRPr lang="en-US" dirty="0"/>
@@ -6158,7 +6107,7 @@
                     <a:p>
                       <a:pPr algn="ctr"/>
                       <a:r>
-                        <a:rPr lang="ru-RU" dirty="0" smtClean="0"/>
+                        <a:rPr lang="ru-RU" dirty="0"/>
                         <a:t>Поворот на месте налево</a:t>
                       </a:r>
                       <a:endParaRPr lang="en-US" dirty="0"/>
@@ -6168,7 +6117,7 @@
                 </a:tc>
                 <a:extLst>
                   <a:ext uri="{0D108BD9-81ED-4DB2-BD59-A6C34878D82A}">
-                    <a16:rowId xmlns="" xmlns:a16="http://schemas.microsoft.com/office/drawing/2014/main" val="10003"/>
+                    <a16:rowId xmlns:a16="http://schemas.microsoft.com/office/drawing/2014/main" val="10003"/>
                   </a:ext>
                 </a:extLst>
               </a:tr>
@@ -6227,7 +6176,7 @@
           <a:p>
             <a:pPr algn="ctr"/>
             <a:r>
-              <a:rPr lang="ru-RU" b="1" dirty="0" smtClean="0"/>
+              <a:rPr lang="ru-RU" b="1" dirty="0"/>
               <a:t>Изменение скорости</a:t>
             </a:r>
             <a:endParaRPr lang="en-US" b="1" dirty="0"/>
@@ -7644,7 +7593,7 @@
           <a:p>
             <a:pPr algn="ctr"/>
             <a:r>
-              <a:rPr lang="ru-RU" sz="1400" b="1" dirty="0" smtClean="0">
+              <a:rPr lang="ru-RU" sz="1400" b="1" dirty="0">
                 <a:solidFill>
                   <a:schemeClr val="tx1"/>
                 </a:solidFill>
@@ -7664,7 +7613,7 @@
           <p:cNvPr id="22" name="Rectangle 21">
             <a:extLst>
               <a:ext uri="{FF2B5EF4-FFF2-40B4-BE49-F238E27FC236}">
-                <a16:creationId xmlns="" xmlns:a16="http://schemas.microsoft.com/office/drawing/2014/main" id="{27B02748-041C-462E-9257-39F3552791C7}"/>
+                <a16:creationId xmlns:a16="http://schemas.microsoft.com/office/drawing/2014/main" id="{27B02748-041C-462E-9257-39F3552791C7}"/>
               </a:ext>
             </a:extLst>
           </p:cNvPr>
@@ -7716,7 +7665,7 @@
           <p:cNvPr id="79" name="Rectangle 78">
             <a:extLst>
               <a:ext uri="{FF2B5EF4-FFF2-40B4-BE49-F238E27FC236}">
-                <a16:creationId xmlns="" xmlns:a16="http://schemas.microsoft.com/office/drawing/2014/main" id="{446AF7E4-0966-41D2-985B-CC2854A24671}"/>
+                <a16:creationId xmlns:a16="http://schemas.microsoft.com/office/drawing/2014/main" id="{446AF7E4-0966-41D2-985B-CC2854A24671}"/>
               </a:ext>
             </a:extLst>
           </p:cNvPr>
@@ -7768,7 +7717,7 @@
           <p:cNvPr id="80" name="Rectangle 79">
             <a:extLst>
               <a:ext uri="{FF2B5EF4-FFF2-40B4-BE49-F238E27FC236}">
-                <a16:creationId xmlns="" xmlns:a16="http://schemas.microsoft.com/office/drawing/2014/main" id="{0BEB8152-4E51-4AE2-B2A7-FD8E9613022B}"/>
+                <a16:creationId xmlns:a16="http://schemas.microsoft.com/office/drawing/2014/main" id="{0BEB8152-4E51-4AE2-B2A7-FD8E9613022B}"/>
               </a:ext>
             </a:extLst>
           </p:cNvPr>
@@ -7820,7 +7769,7 @@
           <p:cNvPr id="81" name="Rectangle 80">
             <a:extLst>
               <a:ext uri="{FF2B5EF4-FFF2-40B4-BE49-F238E27FC236}">
-                <a16:creationId xmlns="" xmlns:a16="http://schemas.microsoft.com/office/drawing/2014/main" id="{F00668E4-8409-442F-810E-B8B53EC0ECC6}"/>
+                <a16:creationId xmlns:a16="http://schemas.microsoft.com/office/drawing/2014/main" id="{F00668E4-8409-442F-810E-B8B53EC0ECC6}"/>
               </a:ext>
             </a:extLst>
           </p:cNvPr>
@@ -7872,7 +7821,7 @@
           <p:cNvPr id="82" name="Rectangle 81">
             <a:extLst>
               <a:ext uri="{FF2B5EF4-FFF2-40B4-BE49-F238E27FC236}">
-                <a16:creationId xmlns="" xmlns:a16="http://schemas.microsoft.com/office/drawing/2014/main" id="{23366D84-B005-404E-A741-7B13DCD25C30}"/>
+                <a16:creationId xmlns:a16="http://schemas.microsoft.com/office/drawing/2014/main" id="{23366D84-B005-404E-A741-7B13DCD25C30}"/>
               </a:ext>
             </a:extLst>
           </p:cNvPr>
@@ -7924,7 +7873,7 @@
           <p:cNvPr id="6" name="Slide Number Placeholder 5">
             <a:extLst>
               <a:ext uri="{FF2B5EF4-FFF2-40B4-BE49-F238E27FC236}">
-                <a16:creationId xmlns="" xmlns:a16="http://schemas.microsoft.com/office/drawing/2014/main" id="{97310209-50EC-4168-A97A-B2A9AB2753F9}"/>
+                <a16:creationId xmlns:a16="http://schemas.microsoft.com/office/drawing/2014/main" id="{97310209-50EC-4168-A97A-B2A9AB2753F9}"/>
               </a:ext>
             </a:extLst>
           </p:cNvPr>
@@ -8024,7 +7973,7 @@
           <a:lstStyle/>
           <a:p>
             <a:r>
-              <a:rPr lang="ru-RU" b="1" dirty="0" smtClean="0"/>
+              <a:rPr lang="ru-RU" b="1" dirty="0"/>
               <a:t>Задача: повороты</a:t>
             </a:r>
             <a:endParaRPr lang="en-US" b="1" dirty="0"/>
@@ -8055,7 +8004,7 @@
               <a:buNone/>
             </a:pPr>
             <a:r>
-              <a:rPr lang="ru-RU" b="1" u="sng" dirty="0" smtClean="0">
+              <a:rPr lang="ru-RU" b="1" u="sng" dirty="0">
                 <a:solidFill>
                   <a:srgbClr val="00B050"/>
                 </a:solidFill>
@@ -8063,18 +8012,13 @@
               <a:t>Задача </a:t>
             </a:r>
             <a:r>
-              <a:rPr lang="en-US" b="1" u="sng" dirty="0" smtClean="0">
+              <a:rPr lang="en-US" b="1" u="sng" dirty="0">
                 <a:solidFill>
                   <a:srgbClr val="00B050"/>
                 </a:solidFill>
               </a:rPr>
               <a:t>2</a:t>
             </a:r>
-            <a:endParaRPr lang="en-US" b="1" u="sng" dirty="0">
-              <a:solidFill>
-                <a:srgbClr val="00B050"/>
-              </a:solidFill>
-            </a:endParaRPr>
           </a:p>
           <a:p>
             <a:pPr marL="342900" indent="-342900">
@@ -8083,35 +8027,7 @@
             </a:pPr>
             <a:r>
               <a:rPr lang="ru-RU" dirty="0"/>
-              <a:t>Ваш </a:t>
-            </a:r>
-            <a:r>
-              <a:rPr lang="ru-RU" dirty="0" smtClean="0"/>
-              <a:t>робот </a:t>
-            </a:r>
-            <a:r>
-              <a:rPr lang="ru-RU" dirty="0"/>
-              <a:t>должен </a:t>
-            </a:r>
-            <a:r>
-              <a:rPr lang="ru-RU" dirty="0" smtClean="0"/>
-              <a:t>доехать до  </a:t>
-            </a:r>
-            <a:r>
-              <a:rPr lang="ru-RU" dirty="0"/>
-              <a:t>второй </a:t>
-            </a:r>
-            <a:r>
-              <a:rPr lang="ru-RU" dirty="0" smtClean="0"/>
-              <a:t>базы, повернуться кругом </a:t>
-            </a:r>
-            <a:r>
-              <a:rPr lang="ru-RU" dirty="0"/>
-              <a:t>и </a:t>
-            </a:r>
-            <a:r>
-              <a:rPr lang="ru-RU" dirty="0" smtClean="0"/>
-              <a:t>вернуться на первую базу.</a:t>
+              <a:t>Ваш робот должен доехать до  второй базы, повернуться кругом и вернуться на первую базу.</a:t>
             </a:r>
           </a:p>
           <a:p>
@@ -8120,24 +8036,8 @@
               <a:buChar char="•"/>
             </a:pPr>
             <a:r>
-              <a:rPr lang="ru-RU" dirty="0" smtClean="0"/>
-              <a:t>Двигайтесь прямо</a:t>
-            </a:r>
-            <a:r>
               <a:rPr lang="ru-RU" dirty="0"/>
-              <a:t>. </a:t>
-            </a:r>
-            <a:r>
-              <a:rPr lang="ru-RU" dirty="0" smtClean="0"/>
-              <a:t>Повернитесь на 180 </a:t>
-            </a:r>
-            <a:r>
-              <a:rPr lang="ru-RU" dirty="0"/>
-              <a:t>градусов и </a:t>
-            </a:r>
-            <a:r>
-              <a:rPr lang="ru-RU" dirty="0" smtClean="0"/>
-              <a:t>вернитесь обратно.</a:t>
+              <a:t>Двигайтесь прямо. Повернитесь на 180 градусов и вернитесь обратно.</a:t>
             </a:r>
             <a:endParaRPr lang="en-US" b="0" dirty="0"/>
           </a:p>
@@ -8822,7 +8722,7 @@
           <a:p>
             <a:pPr algn="ctr"/>
             <a:r>
-              <a:rPr lang="ru-RU" u="sng" dirty="0" smtClean="0">
+              <a:rPr lang="ru-RU" u="sng" dirty="0">
                 <a:solidFill>
                   <a:srgbClr val="00B050"/>
                 </a:solidFill>
@@ -8830,18 +8730,13 @@
               <a:t>Задача </a:t>
             </a:r>
             <a:r>
-              <a:rPr lang="en-US" u="sng" dirty="0" smtClean="0">
+              <a:rPr lang="en-US" u="sng" dirty="0">
                 <a:solidFill>
                   <a:srgbClr val="00B050"/>
                 </a:solidFill>
               </a:rPr>
               <a:t>1</a:t>
             </a:r>
-            <a:endParaRPr lang="en-US" u="sng" dirty="0">
-              <a:solidFill>
-                <a:srgbClr val="00B050"/>
-              </a:solidFill>
-            </a:endParaRPr>
           </a:p>
           <a:p>
             <a:pPr marL="342900" indent="-342900">
@@ -8850,21 +8745,8 @@
             </a:pPr>
             <a:r>
               <a:rPr lang="ru-RU" b="0" dirty="0"/>
-              <a:t>Ваш робот </a:t>
-            </a:r>
-            <a:r>
-              <a:rPr lang="ru-RU" b="0" dirty="0" smtClean="0"/>
-              <a:t>должен объехать коробку и </a:t>
-            </a:r>
-            <a:r>
-              <a:rPr lang="ru-RU" b="0" dirty="0"/>
-              <a:t>вернуться на </a:t>
-            </a:r>
-            <a:r>
-              <a:rPr lang="ru-RU" b="0" dirty="0" smtClean="0"/>
-              <a:t>начальную точку.</a:t>
-            </a:r>
-            <a:endParaRPr lang="ru-RU" b="0" dirty="0"/>
+              <a:t>Ваш робот должен объехать коробку и вернуться на начальную точку.</a:t>
+            </a:r>
           </a:p>
           <a:p>
             <a:pPr marL="342900" indent="-342900">
@@ -8873,43 +8755,7 @@
             </a:pPr>
             <a:r>
               <a:rPr lang="ru-RU" b="0" dirty="0"/>
-              <a:t>Действительно ли </a:t>
-            </a:r>
-            <a:r>
-              <a:rPr lang="ru-RU" b="0" dirty="0" smtClean="0"/>
-              <a:t>Мы можем </a:t>
-            </a:r>
-            <a:r>
-              <a:rPr lang="ru-RU" b="0" dirty="0" smtClean="0"/>
-              <a:t>запрограммировать </a:t>
-            </a:r>
-            <a:r>
-              <a:rPr lang="ru-RU" b="0" dirty="0" smtClean="0"/>
-              <a:t>робота, </a:t>
-            </a:r>
-            <a:r>
-              <a:rPr lang="ru-RU" b="0" dirty="0"/>
-              <a:t>чтобы </a:t>
-            </a:r>
-            <a:r>
-              <a:rPr lang="ru-RU" b="0" dirty="0" smtClean="0"/>
-              <a:t>он двигался и </a:t>
-            </a:r>
-            <a:r>
-              <a:rPr lang="ru-RU" b="0" dirty="0"/>
-              <a:t>затем </a:t>
-            </a:r>
-            <a:r>
-              <a:rPr lang="ru-RU" b="0" dirty="0" smtClean="0"/>
-              <a:t>повернул </a:t>
-            </a:r>
-            <a:r>
-              <a:rPr lang="ru-RU" b="0" dirty="0"/>
-              <a:t>налево</a:t>
-            </a:r>
-            <a:r>
-              <a:rPr lang="ru-RU" b="0" dirty="0" smtClean="0"/>
-              <a:t>?</a:t>
+              <a:t>Действительно ли Мы можем запрограммировать робота, чтобы он двигался и затем повернул налево?</a:t>
             </a:r>
           </a:p>
           <a:p>
@@ -8918,7 +8764,7 @@
               <a:buChar char="•"/>
             </a:pPr>
             <a:r>
-              <a:rPr lang="ru-RU" b="0" dirty="0" smtClean="0"/>
+              <a:rPr lang="ru-RU" b="0" dirty="0"/>
               <a:t>Используем квадратную коробку.</a:t>
             </a:r>
             <a:endParaRPr lang="en-US" b="0" dirty="0"/>
@@ -9027,7 +8873,7 @@
             <a:p>
               <a:pPr algn="ctr"/>
               <a:r>
-                <a:rPr lang="ru-RU" sz="1400" b="1" dirty="0" smtClean="0"/>
+                <a:rPr lang="ru-RU" sz="1400" b="1" dirty="0"/>
                 <a:t>Начальная и конечная точка</a:t>
               </a:r>
               <a:endParaRPr lang="en-US" sz="1400" b="1" dirty="0"/>
@@ -9107,7 +8953,7 @@
             <a:p>
               <a:pPr algn="ctr"/>
               <a:r>
-                <a:rPr lang="ru-RU" sz="900" dirty="0" smtClean="0">
+                <a:rPr lang="ru-RU" sz="900" dirty="0">
                   <a:solidFill>
                     <a:schemeClr val="tx1"/>
                   </a:solidFill>
@@ -9436,7 +9282,7 @@
             <a:p>
               <a:pPr algn="ctr"/>
               <a:r>
-                <a:rPr lang="ru-RU" sz="900" dirty="0" smtClean="0">
+                <a:rPr lang="ru-RU" sz="900" dirty="0">
                   <a:solidFill>
                     <a:schemeClr val="tx1"/>
                   </a:solidFill>
@@ -9457,7 +9303,7 @@
           <p:cNvPr id="5" name="Slide Number Placeholder 4">
             <a:extLst>
               <a:ext uri="{FF2B5EF4-FFF2-40B4-BE49-F238E27FC236}">
-                <a16:creationId xmlns="" xmlns:a16="http://schemas.microsoft.com/office/drawing/2014/main" id="{6A006668-3DA2-4B7F-8E10-DF2FB05742F8}"/>
+                <a16:creationId xmlns:a16="http://schemas.microsoft.com/office/drawing/2014/main" id="{6A006668-3DA2-4B7F-8E10-DF2FB05742F8}"/>
               </a:ext>
             </a:extLst>
           </p:cNvPr>
@@ -9557,7 +9403,7 @@
           <a:lstStyle/>
           <a:p>
             <a:r>
-              <a:rPr lang="ru-RU" b="1" dirty="0" smtClean="0"/>
+              <a:rPr lang="ru-RU" b="1" dirty="0"/>
               <a:t>Задача: решение</a:t>
             </a:r>
             <a:endParaRPr lang="en-US" b="1" dirty="0"/>
@@ -9588,7 +9434,7 @@
               <a:buNone/>
             </a:pPr>
             <a:r>
-              <a:rPr lang="ru-RU" sz="2000" b="1" u="sng" dirty="0" smtClean="0">
+              <a:rPr lang="ru-RU" sz="2000" b="1" u="sng" dirty="0">
                 <a:solidFill>
                   <a:srgbClr val="00B050"/>
                 </a:solidFill>
@@ -9596,18 +9442,13 @@
               <a:t>Задача </a:t>
             </a:r>
             <a:r>
-              <a:rPr lang="en-US" sz="2000" b="1" u="sng" dirty="0" smtClean="0">
+              <a:rPr lang="en-US" sz="2000" b="1" u="sng" dirty="0">
                 <a:solidFill>
                   <a:srgbClr val="00B050"/>
                 </a:solidFill>
               </a:rPr>
               <a:t>2</a:t>
             </a:r>
-            <a:endParaRPr lang="en-US" sz="2000" b="1" u="sng" dirty="0">
-              <a:solidFill>
-                <a:srgbClr val="00B050"/>
-              </a:solidFill>
-            </a:endParaRPr>
           </a:p>
           <a:p>
             <a:pPr marL="0" indent="0">
@@ -9615,11 +9456,7 @@
             </a:pPr>
             <a:r>
               <a:rPr lang="ru-RU" dirty="0"/>
-              <a:t>Используйте комбинацию движения прямо и </a:t>
-            </a:r>
-            <a:r>
-              <a:rPr lang="ru-RU" dirty="0" smtClean="0"/>
-              <a:t>поворотов на месте чтобы вернуться обратно.</a:t>
+              <a:t>Используйте комбинацию движения прямо и поворотов на месте чтобы вернуться обратно.</a:t>
             </a:r>
             <a:endParaRPr lang="en-US" dirty="0"/>
           </a:p>
@@ -9840,7 +9677,7 @@
           <a:p>
             <a:pPr algn="ctr"/>
             <a:r>
-              <a:rPr lang="ru-RU" u="sng" dirty="0" smtClean="0">
+              <a:rPr lang="ru-RU" u="sng" dirty="0">
                 <a:solidFill>
                   <a:srgbClr val="00B050"/>
                 </a:solidFill>
@@ -9848,43 +9685,18 @@
               <a:t>Задача </a:t>
             </a:r>
             <a:r>
-              <a:rPr lang="en-US" u="sng" dirty="0" smtClean="0">
+              <a:rPr lang="en-US" u="sng" dirty="0">
                 <a:solidFill>
                   <a:srgbClr val="00B050"/>
                 </a:solidFill>
               </a:rPr>
               <a:t>1</a:t>
             </a:r>
-            <a:endParaRPr lang="en-US" u="sng" dirty="0">
-              <a:solidFill>
-                <a:srgbClr val="00B050"/>
-              </a:solidFill>
-            </a:endParaRPr>
-          </a:p>
-          <a:p>
-            <a:r>
-              <a:rPr lang="ru-RU" b="0" dirty="0" smtClean="0"/>
-              <a:t>Используйте </a:t>
-            </a:r>
+          </a:p>
+          <a:p>
             <a:r>
               <a:rPr lang="ru-RU" b="0" dirty="0"/>
-              <a:t>комбинацию </a:t>
-            </a:r>
-            <a:r>
-              <a:rPr lang="ru-RU" b="0" dirty="0" smtClean="0"/>
-              <a:t>движения прямо </a:t>
-            </a:r>
-            <a:r>
-              <a:rPr lang="ru-RU" b="0" dirty="0"/>
-              <a:t>и </a:t>
-            </a:r>
-            <a:r>
-              <a:rPr lang="ru-RU" b="0" dirty="0" smtClean="0"/>
-              <a:t>обычных поворотов чтобы объехать коробку</a:t>
-            </a:r>
-            <a:r>
-              <a:rPr lang="ru-RU" b="0" dirty="0"/>
-              <a:t>.</a:t>
+              <a:t>Используйте комбинацию движения прямо и обычных поворотов чтобы объехать коробку.</a:t>
             </a:r>
             <a:endParaRPr lang="en-US" b="0" dirty="0"/>
           </a:p>
@@ -9926,7 +9738,7 @@
           <p:cNvPr id="5" name="Slide Number Placeholder 4">
             <a:extLst>
               <a:ext uri="{FF2B5EF4-FFF2-40B4-BE49-F238E27FC236}">
-                <a16:creationId xmlns="" xmlns:a16="http://schemas.microsoft.com/office/drawing/2014/main" id="{A6E98B34-FE88-4F47-A906-8640DA5B168C}"/>
+                <a16:creationId xmlns:a16="http://schemas.microsoft.com/office/drawing/2014/main" id="{A6E98B34-FE88-4F47-A906-8640DA5B168C}"/>
               </a:ext>
             </a:extLst>
           </p:cNvPr>
@@ -10114,7 +9926,7 @@
           <a:effectLst/>
           <a:extLst>
             <a:ext uri="{91240B29-F687-4f45-9708-019B960494DF}">
-              <a14:hiddenLine xmlns="" xmlns:a14="http://schemas.microsoft.com/office/drawing/2010/main" w="9525">
+              <a14:hiddenLine xmlns:a14="http://schemas.microsoft.com/office/drawing/2010/main" xmlns="" w="9525">
                 <a:solidFill>
                   <a:schemeClr val="tx1"/>
                 </a:solidFill>
@@ -10124,7 +9936,7 @@
               </a14:hiddenLine>
             </a:ext>
             <a:ext uri="{AF507438-7753-43e0-B8FC-AC1667EBCBE1}">
-              <a14:hiddenEffects xmlns="" xmlns:a14="http://schemas.microsoft.com/office/drawing/2010/main">
+              <a14:hiddenEffects xmlns:a14="http://schemas.microsoft.com/office/drawing/2010/main" xmlns="">
                 <a:effectLst>
                   <a:outerShdw dist="35921" dir="2700000" algn="ctr" rotWithShape="0">
                     <a:schemeClr val="bg2"/>
@@ -10298,18 +10110,6 @@
                 <a:latin typeface="Helvetica Neue"/>
               </a:rPr>
               <a:t>                         </a:t>
-            </a:r>
-            <a:r>
-              <a:rPr kumimoji="0" lang="en-US" altLang="en-US" sz="1050" b="0" i="0" u="none" strike="noStrike" cap="none" normalizeH="0" baseline="0" dirty="0">
-                <a:ln>
-                  <a:noFill/>
-                </a:ln>
-                <a:solidFill>
-                  <a:schemeClr val="tx1"/>
-                </a:solidFill>
-                <a:effectLst/>
-              </a:rPr>
-              <a:t/>
             </a:r>
             <a:br>
               <a:rPr kumimoji="0" lang="en-US" altLang="en-US" sz="1050" b="0" i="0" u="none" strike="noStrike" cap="none" normalizeH="0" baseline="0" dirty="0">
@@ -10477,7 +10277,7 @@
           <a:noFill/>
           <a:extLst>
             <a:ext uri="{909E8E84-426E-40dd-AFC4-6F175D3DCCD1}">
-              <a14:hiddenFill xmlns="" xmlns:a14="http://schemas.microsoft.com/office/drawing/2010/main">
+              <a14:hiddenFill xmlns:a14="http://schemas.microsoft.com/office/drawing/2010/main" xmlns="">
                 <a:solidFill>
                   <a:srgbClr val="FFFFFF"/>
                 </a:solidFill>
@@ -10491,7 +10291,7 @@
           <p:cNvPr id="7" name="Slide Number Placeholder 6">
             <a:extLst>
               <a:ext uri="{FF2B5EF4-FFF2-40B4-BE49-F238E27FC236}">
-                <a16:creationId xmlns:a16="http://schemas.microsoft.com/office/drawing/2014/main" xmlns="" id="{F6739919-47A8-43E0-85A2-F648492C26DE}"/>
+                <a16:creationId xmlns:a16="http://schemas.microsoft.com/office/drawing/2014/main" id="{F6739919-47A8-43E0-85A2-F648492C26DE}"/>
               </a:ext>
             </a:extLst>
           </p:cNvPr>
@@ -10619,21 +10419,13 @@
           <a:lstStyle/>
           <a:p>
             <a:r>
-              <a:rPr lang="ru-RU" dirty="0" smtClean="0"/>
-              <a:t>Узнаем, </a:t>
-            </a:r>
-            <a:r>
               <a:rPr lang="ru-RU" dirty="0"/>
-              <a:t>как </a:t>
-            </a:r>
-            <a:r>
-              <a:rPr lang="ru-RU" dirty="0" smtClean="0"/>
-              <a:t>поворачивать с помощью встроенного гироскопа.</a:t>
-            </a:r>
-          </a:p>
-          <a:p>
-            <a:r>
-              <a:rPr lang="ru-RU" dirty="0" smtClean="0"/>
+              <a:t>Узнаем, как поворачивать с помощью встроенного гироскопа.</a:t>
+            </a:r>
+          </a:p>
+          <a:p>
+            <a:r>
+              <a:rPr lang="ru-RU" dirty="0"/>
               <a:t>Узнаем, как датчикам использовать Блок Ждать До.</a:t>
             </a:r>
             <a:endParaRPr lang="en-US" dirty="0"/>
@@ -10675,7 +10467,7 @@
           <p:cNvPr id="7" name="Slide Number Placeholder 6">
             <a:extLst>
               <a:ext uri="{FF2B5EF4-FFF2-40B4-BE49-F238E27FC236}">
-                <a16:creationId xmlns="" xmlns:a16="http://schemas.microsoft.com/office/drawing/2014/main" id="{8D64AAE4-28AB-4B08-8A92-91AD24C926BD}"/>
+                <a16:creationId xmlns:a16="http://schemas.microsoft.com/office/drawing/2014/main" id="{8D64AAE4-28AB-4B08-8A92-91AD24C926BD}"/>
               </a:ext>
             </a:extLst>
           </p:cNvPr>
@@ -10788,7 +10580,7 @@
           <p:cNvPr id="2" name="Title 1">
             <a:extLst>
               <a:ext uri="{FF2B5EF4-FFF2-40B4-BE49-F238E27FC236}">
-                <a16:creationId xmlns="" xmlns:a16="http://schemas.microsoft.com/office/drawing/2014/main" id="{8E18E53A-2C16-436C-A865-A8458BC4A00B}"/>
+                <a16:creationId xmlns:a16="http://schemas.microsoft.com/office/drawing/2014/main" id="{8E18E53A-2C16-436C-A865-A8458BC4A00B}"/>
               </a:ext>
             </a:extLst>
           </p:cNvPr>
@@ -10805,7 +10597,7 @@
           <a:lstStyle/>
           <a:p>
             <a:r>
-              <a:rPr lang="ru-RU" b="1" dirty="0" smtClean="0"/>
+              <a:rPr lang="ru-RU" b="1" dirty="0"/>
               <a:t>Какие блоки необходимы на этом уроке</a:t>
             </a:r>
             <a:endParaRPr lang="en-US" b="1" dirty="0"/>
@@ -10817,7 +10609,7 @@
           <p:cNvPr id="3" name="Content Placeholder 2">
             <a:extLst>
               <a:ext uri="{FF2B5EF4-FFF2-40B4-BE49-F238E27FC236}">
-                <a16:creationId xmlns="" xmlns:a16="http://schemas.microsoft.com/office/drawing/2014/main" id="{E47E2EED-424B-4877-A6F9-DC1FD3574959}"/>
+                <a16:creationId xmlns:a16="http://schemas.microsoft.com/office/drawing/2014/main" id="{E47E2EED-424B-4877-A6F9-DC1FD3574959}"/>
               </a:ext>
             </a:extLst>
           </p:cNvPr>
@@ -10841,92 +10633,20 @@
           <a:lstStyle/>
           <a:p>
             <a:r>
-              <a:rPr lang="ru-RU" sz="2000" dirty="0" smtClean="0"/>
-              <a:t>Блоки датчиков (переменная / </a:t>
-            </a:r>
-            <a:r>
-              <a:rPr lang="ru-RU" sz="2000" dirty="0" smtClean="0"/>
-              <a:t>список</a:t>
-            </a:r>
-            <a:r>
-              <a:rPr lang="ru-RU" sz="2000" dirty="0" smtClean="0"/>
-              <a:t>) </a:t>
-            </a:r>
-            <a:r>
               <a:rPr lang="ru-RU" sz="2000" dirty="0"/>
-              <a:t>– числа и текст могут быть </a:t>
-            </a:r>
-            <a:r>
-              <a:rPr lang="ru-RU" sz="2000" dirty="0" smtClean="0"/>
-              <a:t>расположены в указанных местах</a:t>
-            </a:r>
+              <a:t>Блоки датчиков (переменная / список) – числа и текст могут быть расположены в указанных местах. Они могут считать значения датчиков, сохраненных в переменной.</a:t>
+            </a:r>
+          </a:p>
+          <a:p>
             <a:r>
               <a:rPr lang="ru-RU" sz="2000" dirty="0"/>
-              <a:t>. Они могут </a:t>
-            </a:r>
-            <a:r>
-              <a:rPr lang="ru-RU" sz="2000" dirty="0" smtClean="0"/>
-              <a:t>считать значения датчиков, сохраненных </a:t>
-            </a:r>
+              <a:t>Блоки Операторов – могут принимать значения «истина» или «ложь» и могут быть расположены в указанных местах.</a:t>
+            </a:r>
+          </a:p>
+          <a:p>
             <a:r>
               <a:rPr lang="ru-RU" sz="2000" dirty="0"/>
-              <a:t>в переменной</a:t>
-            </a:r>
-            <a:r>
-              <a:rPr lang="ru-RU" sz="2000" dirty="0" smtClean="0"/>
-              <a:t>.</a:t>
-            </a:r>
-          </a:p>
-          <a:p>
-            <a:r>
-              <a:rPr lang="ru-RU" sz="2000" dirty="0" smtClean="0"/>
-              <a:t>Блоки Операторов – могут принимать значения «истина» </a:t>
-            </a:r>
-            <a:r>
-              <a:rPr lang="ru-RU" sz="2000" dirty="0"/>
-              <a:t>или </a:t>
-            </a:r>
-            <a:r>
-              <a:rPr lang="ru-RU" sz="2000" dirty="0" smtClean="0"/>
-              <a:t>«ложь» и </a:t>
-            </a:r>
-            <a:r>
-              <a:rPr lang="ru-RU" sz="2000" dirty="0"/>
-              <a:t>могут быть </a:t>
-            </a:r>
-            <a:r>
-              <a:rPr lang="ru-RU" sz="2000" dirty="0" smtClean="0"/>
-              <a:t>расположены в указанных местах.</a:t>
-            </a:r>
-          </a:p>
-          <a:p>
-            <a:r>
-              <a:rPr lang="ru-RU" sz="2000" dirty="0" smtClean="0"/>
-              <a:t>Блоки Ожидания – </a:t>
-            </a:r>
-            <a:r>
-              <a:rPr lang="ru-RU" sz="2000" dirty="0"/>
-              <a:t>Блок Ожидания в секундах</a:t>
-            </a:r>
-            <a:r>
-              <a:rPr lang="ru-RU" sz="2000" dirty="0" smtClean="0"/>
-              <a:t>, </a:t>
-            </a:r>
-            <a:r>
-              <a:rPr lang="ru-RU" sz="2000" dirty="0"/>
-              <a:t>этот блок </a:t>
-            </a:r>
-            <a:r>
-              <a:rPr lang="ru-RU" sz="2000" dirty="0" smtClean="0"/>
-              <a:t>делает паузу при выполнение программы на указанное значение в секундах. </a:t>
-            </a:r>
-            <a:r>
-              <a:rPr lang="ru-RU" sz="2000" dirty="0"/>
-              <a:t>В этом случае программа ждет, пока условие в </a:t>
-            </a:r>
-            <a:r>
-              <a:rPr lang="ru-RU" sz="2000" dirty="0" smtClean="0"/>
-              <a:t>блоке будет верно.</a:t>
+              <a:t>Блоки Ожидания – Блок Ожидания в секундах, этот блок делает паузу при выполнение программы на указанное значение в секундах. В этом случае программа ждет, пока условие в блоке будет верно.</a:t>
             </a:r>
             <a:endParaRPr lang="en-US" dirty="0"/>
           </a:p>
@@ -10937,7 +10657,7 @@
           <p:cNvPr id="4" name="Footer Placeholder 3">
             <a:extLst>
               <a:ext uri="{FF2B5EF4-FFF2-40B4-BE49-F238E27FC236}">
-                <a16:creationId xmlns="" xmlns:a16="http://schemas.microsoft.com/office/drawing/2014/main" id="{3D754A94-060C-4633-88D5-845EC6E0EC3A}"/>
+                <a16:creationId xmlns:a16="http://schemas.microsoft.com/office/drawing/2014/main" id="{3D754A94-060C-4633-88D5-845EC6E0EC3A}"/>
               </a:ext>
             </a:extLst>
           </p:cNvPr>
@@ -10970,7 +10690,7 @@
           <p:cNvPr id="5" name="Slide Number Placeholder 4">
             <a:extLst>
               <a:ext uri="{FF2B5EF4-FFF2-40B4-BE49-F238E27FC236}">
-                <a16:creationId xmlns="" xmlns:a16="http://schemas.microsoft.com/office/drawing/2014/main" id="{A81D9CB2-2043-46CC-9247-DE7709769469}"/>
+                <a16:creationId xmlns:a16="http://schemas.microsoft.com/office/drawing/2014/main" id="{A81D9CB2-2043-46CC-9247-DE7709769469}"/>
               </a:ext>
             </a:extLst>
           </p:cNvPr>
@@ -10999,7 +10719,7 @@
           <p:cNvPr id="8" name="Straight Arrow Connector 7">
             <a:extLst>
               <a:ext uri="{FF2B5EF4-FFF2-40B4-BE49-F238E27FC236}">
-                <a16:creationId xmlns="" xmlns:a16="http://schemas.microsoft.com/office/drawing/2014/main" id="{9F56EEEA-3A81-4D3B-B9E6-47685F6DC10F}"/>
+                <a16:creationId xmlns:a16="http://schemas.microsoft.com/office/drawing/2014/main" id="{9F56EEEA-3A81-4D3B-B9E6-47685F6DC10F}"/>
               </a:ext>
             </a:extLst>
           </p:cNvPr>
@@ -11043,7 +10763,7 @@
           <p:cNvPr id="9" name="Straight Arrow Connector 8">
             <a:extLst>
               <a:ext uri="{FF2B5EF4-FFF2-40B4-BE49-F238E27FC236}">
-                <a16:creationId xmlns="" xmlns:a16="http://schemas.microsoft.com/office/drawing/2014/main" id="{71DBBF96-8377-4B47-9282-3CE45A00A5EC}"/>
+                <a16:creationId xmlns:a16="http://schemas.microsoft.com/office/drawing/2014/main" id="{71DBBF96-8377-4B47-9282-3CE45A00A5EC}"/>
               </a:ext>
             </a:extLst>
           </p:cNvPr>
@@ -11147,7 +10867,7 @@
           <p:cNvPr id="2" name="Title 1">
             <a:extLst>
               <a:ext uri="{FF2B5EF4-FFF2-40B4-BE49-F238E27FC236}">
-                <a16:creationId xmlns="" xmlns:a16="http://schemas.microsoft.com/office/drawing/2014/main" id="{F15C9A33-F3DC-4175-85C8-87A484EF1DFC}"/>
+                <a16:creationId xmlns:a16="http://schemas.microsoft.com/office/drawing/2014/main" id="{F15C9A33-F3DC-4175-85C8-87A484EF1DFC}"/>
               </a:ext>
             </a:extLst>
           </p:cNvPr>
@@ -11166,23 +10886,23 @@
           <a:lstStyle/>
           <a:p>
             <a:r>
-              <a:rPr lang="ru-RU" b="1" dirty="0" smtClean="0"/>
+              <a:rPr lang="ru-RU" b="1" dirty="0"/>
               <a:t>Ориентация робота</a:t>
             </a:r>
             <a:r>
-              <a:rPr lang="en-US" b="1" dirty="0" smtClean="0"/>
+              <a:rPr lang="en-US" b="1" dirty="0"/>
               <a:t>: </a:t>
             </a:r>
             <a:r>
-              <a:rPr lang="ru-RU" b="1" dirty="0" err="1" smtClean="0"/>
+              <a:rPr lang="ru-RU" b="1" dirty="0" err="1"/>
               <a:t>тангаж</a:t>
             </a:r>
             <a:r>
-              <a:rPr lang="en-US" b="1" dirty="0" smtClean="0"/>
+              <a:rPr lang="en-US" b="1" dirty="0"/>
               <a:t>, </a:t>
             </a:r>
             <a:r>
-              <a:rPr lang="ru-RU" b="1" dirty="0" smtClean="0"/>
+              <a:rPr lang="ru-RU" b="1" dirty="0"/>
               <a:t>крен и рыскание</a:t>
             </a:r>
             <a:endParaRPr lang="en-US" b="1" dirty="0"/>
@@ -11194,7 +10914,7 @@
           <p:cNvPr id="3" name="Content Placeholder 2">
             <a:extLst>
               <a:ext uri="{FF2B5EF4-FFF2-40B4-BE49-F238E27FC236}">
-                <a16:creationId xmlns="" xmlns:a16="http://schemas.microsoft.com/office/drawing/2014/main" id="{9365F4CC-1F3A-4E81-8595-11CD6B36B795}"/>
+                <a16:creationId xmlns:a16="http://schemas.microsoft.com/office/drawing/2014/main" id="{9365F4CC-1F3A-4E81-8595-11CD6B36B795}"/>
               </a:ext>
             </a:extLst>
           </p:cNvPr>
@@ -11219,15 +10939,15 @@
               <a:buNone/>
             </a:pPr>
             <a:r>
-              <a:rPr lang="ru-RU" dirty="0" smtClean="0"/>
+              <a:rPr lang="ru-RU" dirty="0"/>
               <a:t>Рыскание это отклонение </a:t>
             </a:r>
             <a:r>
-              <a:rPr lang="ru-RU" dirty="0" err="1" smtClean="0"/>
+              <a:rPr lang="ru-RU" dirty="0" err="1"/>
               <a:t>Хаба</a:t>
             </a:r>
             <a:r>
-              <a:rPr lang="ru-RU" dirty="0" smtClean="0"/>
+              <a:rPr lang="ru-RU" dirty="0"/>
               <a:t> вправо или влево</a:t>
             </a:r>
             <a:endParaRPr lang="en-US" dirty="0"/>
@@ -11239,7 +10959,7 @@
           <p:cNvPr id="4" name="Footer Placeholder 3">
             <a:extLst>
               <a:ext uri="{FF2B5EF4-FFF2-40B4-BE49-F238E27FC236}">
-                <a16:creationId xmlns="" xmlns:a16="http://schemas.microsoft.com/office/drawing/2014/main" id="{1B4E4B6D-EC79-4AA5-8691-4C708E30FC55}"/>
+                <a16:creationId xmlns:a16="http://schemas.microsoft.com/office/drawing/2014/main" id="{1B4E4B6D-EC79-4AA5-8691-4C708E30FC55}"/>
               </a:ext>
             </a:extLst>
           </p:cNvPr>
@@ -11272,7 +10992,7 @@
           <p:cNvPr id="5" name="Slide Number Placeholder 4">
             <a:extLst>
               <a:ext uri="{FF2B5EF4-FFF2-40B4-BE49-F238E27FC236}">
-                <a16:creationId xmlns="" xmlns:a16="http://schemas.microsoft.com/office/drawing/2014/main" id="{19E8A33A-BDA9-4FF5-9AC9-ACC941B004CE}"/>
+                <a16:creationId xmlns:a16="http://schemas.microsoft.com/office/drawing/2014/main" id="{19E8A33A-BDA9-4FF5-9AC9-ACC941B004CE}"/>
               </a:ext>
             </a:extLst>
           </p:cNvPr>
@@ -11301,7 +11021,7 @@
           <p:cNvPr id="6" name="Content Placeholder 2">
             <a:extLst>
               <a:ext uri="{FF2B5EF4-FFF2-40B4-BE49-F238E27FC236}">
-                <a16:creationId xmlns="" xmlns:a16="http://schemas.microsoft.com/office/drawing/2014/main" id="{F57276E2-677C-4F5A-9830-16CDFD243800}"/>
+                <a16:creationId xmlns:a16="http://schemas.microsoft.com/office/drawing/2014/main" id="{F57276E2-677C-4F5A-9830-16CDFD243800}"/>
               </a:ext>
             </a:extLst>
           </p:cNvPr>
@@ -11528,19 +11248,19 @@
               <a:buNone/>
             </a:pPr>
             <a:r>
-              <a:rPr lang="ru-RU" dirty="0" err="1" smtClean="0"/>
+              <a:rPr lang="ru-RU" dirty="0" err="1"/>
               <a:t>Тангаж</a:t>
             </a:r>
             <a:r>
-              <a:rPr lang="ru-RU" dirty="0" smtClean="0"/>
+              <a:rPr lang="ru-RU" dirty="0"/>
               <a:t> это отклонения </a:t>
             </a:r>
             <a:r>
-              <a:rPr lang="ru-RU" dirty="0" err="1" smtClean="0"/>
+              <a:rPr lang="ru-RU" dirty="0" err="1"/>
               <a:t>Хаба</a:t>
             </a:r>
             <a:r>
-              <a:rPr lang="ru-RU" dirty="0" smtClean="0"/>
+              <a:rPr lang="ru-RU" dirty="0"/>
               <a:t> вверх или вниз</a:t>
             </a:r>
             <a:endParaRPr lang="en-US" dirty="0"/>
@@ -11552,7 +11272,7 @@
           <p:cNvPr id="7" name="Content Placeholder 2">
             <a:extLst>
               <a:ext uri="{FF2B5EF4-FFF2-40B4-BE49-F238E27FC236}">
-                <a16:creationId xmlns="" xmlns:a16="http://schemas.microsoft.com/office/drawing/2014/main" id="{D8B1F65E-83A7-41DF-9F9E-9336CF73312F}"/>
+                <a16:creationId xmlns:a16="http://schemas.microsoft.com/office/drawing/2014/main" id="{D8B1F65E-83A7-41DF-9F9E-9336CF73312F}"/>
               </a:ext>
             </a:extLst>
           </p:cNvPr>
@@ -11779,15 +11499,15 @@
               <a:buNone/>
             </a:pPr>
             <a:r>
-              <a:rPr lang="ru-RU" dirty="0" smtClean="0"/>
+              <a:rPr lang="ru-RU" dirty="0"/>
               <a:t>Крен это отклонения </a:t>
             </a:r>
             <a:r>
-              <a:rPr lang="ru-RU" dirty="0" err="1" smtClean="0"/>
+              <a:rPr lang="ru-RU" dirty="0" err="1"/>
               <a:t>Хаба</a:t>
             </a:r>
             <a:r>
-              <a:rPr lang="ru-RU" dirty="0" smtClean="0"/>
+              <a:rPr lang="ru-RU" dirty="0"/>
               <a:t> из одной стороны в другую</a:t>
             </a:r>
             <a:endParaRPr lang="en-US" dirty="0"/>
@@ -11799,7 +11519,7 @@
           <p:cNvPr id="9" name="Picture 8" descr="A close up of a speaker&#10;&#10;Description automatically generated">
             <a:extLst>
               <a:ext uri="{FF2B5EF4-FFF2-40B4-BE49-F238E27FC236}">
-                <a16:creationId xmlns="" xmlns:a16="http://schemas.microsoft.com/office/drawing/2014/main" id="{6D2910E9-F0DA-45A3-9423-DB7B2C77A5DF}"/>
+                <a16:creationId xmlns:a16="http://schemas.microsoft.com/office/drawing/2014/main" id="{6D2910E9-F0DA-45A3-9423-DB7B2C77A5DF}"/>
               </a:ext>
             </a:extLst>
           </p:cNvPr>
@@ -11829,7 +11549,7 @@
           <p:cNvPr id="19" name="Picture 18" descr="A close up of a device&#10;&#10;Description automatically generated">
             <a:extLst>
               <a:ext uri="{FF2B5EF4-FFF2-40B4-BE49-F238E27FC236}">
-                <a16:creationId xmlns="" xmlns:a16="http://schemas.microsoft.com/office/drawing/2014/main" id="{B7033722-93AC-42C8-B87F-F0A53ADDC509}"/>
+                <a16:creationId xmlns:a16="http://schemas.microsoft.com/office/drawing/2014/main" id="{B7033722-93AC-42C8-B87F-F0A53ADDC509}"/>
               </a:ext>
             </a:extLst>
           </p:cNvPr>
@@ -11858,7 +11578,7 @@
           <p:cNvPr id="21" name="Picture 20" descr="A close up of a phone&#10;&#10;Description automatically generated">
             <a:extLst>
               <a:ext uri="{FF2B5EF4-FFF2-40B4-BE49-F238E27FC236}">
-                <a16:creationId xmlns="" xmlns:a16="http://schemas.microsoft.com/office/drawing/2014/main" id="{264C1C9D-E7D7-40D6-B4D9-54558454C468}"/>
+                <a16:creationId xmlns:a16="http://schemas.microsoft.com/office/drawing/2014/main" id="{264C1C9D-E7D7-40D6-B4D9-54558454C468}"/>
               </a:ext>
             </a:extLst>
           </p:cNvPr>
@@ -11887,7 +11607,7 @@
           <p:cNvPr id="34" name="Arc 33">
             <a:extLst>
               <a:ext uri="{FF2B5EF4-FFF2-40B4-BE49-F238E27FC236}">
-                <a16:creationId xmlns="" xmlns:a16="http://schemas.microsoft.com/office/drawing/2014/main" id="{CDD86F96-9C54-4F9A-A8CD-BAE37A8D05E5}"/>
+                <a16:creationId xmlns:a16="http://schemas.microsoft.com/office/drawing/2014/main" id="{CDD86F96-9C54-4F9A-A8CD-BAE37A8D05E5}"/>
               </a:ext>
             </a:extLst>
           </p:cNvPr>
@@ -11941,7 +11661,7 @@
           <p:cNvPr id="23" name="Arc 22">
             <a:extLst>
               <a:ext uri="{FF2B5EF4-FFF2-40B4-BE49-F238E27FC236}">
-                <a16:creationId xmlns="" xmlns:a16="http://schemas.microsoft.com/office/drawing/2014/main" id="{5190FCEC-A8C2-461B-8110-36717220EF01}"/>
+                <a16:creationId xmlns:a16="http://schemas.microsoft.com/office/drawing/2014/main" id="{5190FCEC-A8C2-461B-8110-36717220EF01}"/>
               </a:ext>
             </a:extLst>
           </p:cNvPr>
@@ -11995,7 +11715,7 @@
           <p:cNvPr id="24" name="Arc 23">
             <a:extLst>
               <a:ext uri="{FF2B5EF4-FFF2-40B4-BE49-F238E27FC236}">
-                <a16:creationId xmlns="" xmlns:a16="http://schemas.microsoft.com/office/drawing/2014/main" id="{098FA748-4CF4-4AFB-8A8E-A4BF99B72F5F}"/>
+                <a16:creationId xmlns:a16="http://schemas.microsoft.com/office/drawing/2014/main" id="{098FA748-4CF4-4AFB-8A8E-A4BF99B72F5F}"/>
               </a:ext>
             </a:extLst>
           </p:cNvPr>
@@ -12049,7 +11769,7 @@
           <p:cNvPr id="27" name="Arc 26">
             <a:extLst>
               <a:ext uri="{FF2B5EF4-FFF2-40B4-BE49-F238E27FC236}">
-                <a16:creationId xmlns="" xmlns:a16="http://schemas.microsoft.com/office/drawing/2014/main" id="{227B23C3-1E55-4694-B3E4-C6636A954CCF}"/>
+                <a16:creationId xmlns:a16="http://schemas.microsoft.com/office/drawing/2014/main" id="{227B23C3-1E55-4694-B3E4-C6636A954CCF}"/>
               </a:ext>
             </a:extLst>
           </p:cNvPr>
@@ -12103,7 +11823,7 @@
           <p:cNvPr id="28" name="Arc 27">
             <a:extLst>
               <a:ext uri="{FF2B5EF4-FFF2-40B4-BE49-F238E27FC236}">
-                <a16:creationId xmlns="" xmlns:a16="http://schemas.microsoft.com/office/drawing/2014/main" id="{88A6B805-22FB-47E6-961B-7B8DA837BB13}"/>
+                <a16:creationId xmlns:a16="http://schemas.microsoft.com/office/drawing/2014/main" id="{88A6B805-22FB-47E6-961B-7B8DA837BB13}"/>
               </a:ext>
             </a:extLst>
           </p:cNvPr>
@@ -12157,7 +11877,7 @@
           <p:cNvPr id="8" name="Rectangle 7">
             <a:extLst>
               <a:ext uri="{FF2B5EF4-FFF2-40B4-BE49-F238E27FC236}">
-                <a16:creationId xmlns="" xmlns:a16="http://schemas.microsoft.com/office/drawing/2014/main" id="{1A185C5C-1811-422F-AA9A-F9BB58D3AEAD}"/>
+                <a16:creationId xmlns:a16="http://schemas.microsoft.com/office/drawing/2014/main" id="{1A185C5C-1811-422F-AA9A-F9BB58D3AEAD}"/>
               </a:ext>
             </a:extLst>
           </p:cNvPr>
@@ -12200,39 +11920,7 @@
                   <a:schemeClr val="tx1"/>
                 </a:solidFill>
               </a:rPr>
-              <a:t>Точно так же, как </a:t>
-            </a:r>
-            <a:r>
-              <a:rPr lang="ru-RU" sz="1300" b="1" dirty="0" smtClean="0">
-                <a:solidFill>
-                  <a:schemeClr val="tx1"/>
-                </a:solidFill>
-              </a:rPr>
-              <a:t>используются x</a:t>
-            </a:r>
-            <a:r>
-              <a:rPr lang="ru-RU" sz="1300" b="1" dirty="0">
-                <a:solidFill>
-                  <a:schemeClr val="tx1"/>
-                </a:solidFill>
-              </a:rPr>
-              <a:t>, y и z </a:t>
-            </a:r>
-            <a:r>
-              <a:rPr lang="ru-RU" sz="1300" b="1" dirty="0" smtClean="0">
-                <a:solidFill>
-                  <a:schemeClr val="tx1"/>
-                </a:solidFill>
-              </a:rPr>
-              <a:t>координаты, </a:t>
-            </a:r>
-            <a:r>
-              <a:rPr lang="ru-RU" sz="1300" b="1" dirty="0">
-                <a:solidFill>
-                  <a:schemeClr val="tx1"/>
-                </a:solidFill>
-              </a:rPr>
-              <a:t>чтобы описать положение робота, </a:t>
+              <a:t>Точно так же, как используются x, y и z координаты, чтобы описать положение робота, </a:t>
             </a:r>
           </a:p>
           <a:p>
@@ -12249,42 +11937,18 @@
           <a:p>
             <a:pPr algn="ctr"/>
             <a:r>
-              <a:rPr lang="ru-RU" sz="1300" b="1" dirty="0" smtClean="0">
+              <a:rPr lang="ru-RU" sz="1300" b="1" dirty="0">
                 <a:solidFill>
                   <a:schemeClr val="tx1"/>
                 </a:solidFill>
               </a:rPr>
-              <a:t>Рыскание - </a:t>
-            </a:r>
-            <a:r>
-              <a:rPr lang="ru-RU" sz="1300" b="1" dirty="0">
-                <a:solidFill>
-                  <a:schemeClr val="tx1"/>
-                </a:solidFill>
-              </a:rPr>
-              <a:t>вращение вокруг оси Z. </a:t>
-            </a:r>
-            <a:r>
-              <a:rPr lang="ru-RU" sz="1300" b="1" dirty="0" smtClean="0">
-                <a:solidFill>
-                  <a:schemeClr val="tx1"/>
-                </a:solidFill>
-              </a:rPr>
-              <a:t>Крен - </a:t>
-            </a:r>
-            <a:r>
-              <a:rPr lang="ru-RU" sz="1300" b="1" dirty="0">
-                <a:solidFill>
-                  <a:schemeClr val="tx1"/>
-                </a:solidFill>
-              </a:rPr>
-              <a:t>вращение вокруг оси Y. </a:t>
+              <a:t>Рыскание - вращение вокруг оси Z. Крен - вращение вокруг оси Y. </a:t>
             </a:r>
           </a:p>
           <a:p>
             <a:pPr algn="ctr"/>
             <a:r>
-              <a:rPr lang="ru-RU" sz="1300" b="1" dirty="0" err="1" smtClean="0">
+              <a:rPr lang="ru-RU" sz="1300" b="1" dirty="0" err="1">
                 <a:solidFill>
                   <a:schemeClr val="tx1"/>
                 </a:solidFill>
@@ -12292,47 +11956,23 @@
               <a:t>Тангаж</a:t>
             </a:r>
             <a:r>
-              <a:rPr lang="ru-RU" sz="1300" b="1" dirty="0" smtClean="0">
+              <a:rPr lang="ru-RU" sz="1300" b="1" dirty="0">
                 <a:solidFill>
                   <a:schemeClr val="tx1"/>
                 </a:solidFill>
               </a:rPr>
-              <a:t> - </a:t>
-            </a:r>
+              <a:t> - вращение вокруг оси X.</a:t>
+            </a:r>
+          </a:p>
+          <a:p>
+            <a:pPr algn="ctr"/>
             <a:r>
               <a:rPr lang="ru-RU" sz="1300" b="1" dirty="0">
                 <a:solidFill>
                   <a:schemeClr val="tx1"/>
                 </a:solidFill>
               </a:rPr>
-              <a:t>вращение вокруг оси X.</a:t>
-            </a:r>
-          </a:p>
-          <a:p>
-            <a:pPr algn="ctr"/>
-            <a:r>
-              <a:rPr lang="ru-RU" sz="1300" b="1" dirty="0" smtClean="0">
-                <a:solidFill>
-                  <a:schemeClr val="tx1"/>
-                </a:solidFill>
-              </a:rPr>
-              <a:t>Встроенный Гироскоп </a:t>
-            </a:r>
-            <a:r>
-              <a:rPr lang="ru-RU" sz="1300" b="1" dirty="0">
-                <a:solidFill>
-                  <a:schemeClr val="tx1"/>
-                </a:solidFill>
-              </a:rPr>
-              <a:t>может </a:t>
-            </a:r>
-            <a:r>
-              <a:rPr lang="ru-RU" sz="1300" b="1" dirty="0" smtClean="0">
-                <a:solidFill>
-                  <a:schemeClr val="tx1"/>
-                </a:solidFill>
-              </a:rPr>
-              <a:t>определить ориентацию робота.</a:t>
+              <a:t>Встроенный Гироскоп может определить ориентацию робота.</a:t>
             </a:r>
             <a:endParaRPr lang="en-US" sz="1300" b="1" dirty="0">
               <a:solidFill>
@@ -12347,7 +11987,7 @@
           <p:cNvPr id="13" name="Picture 12" descr="A satellite in space&#10;&#10;Description automatically generated">
             <a:extLst>
               <a:ext uri="{FF2B5EF4-FFF2-40B4-BE49-F238E27FC236}">
-                <a16:creationId xmlns="" xmlns:a16="http://schemas.microsoft.com/office/drawing/2014/main" id="{E170FD2B-DF2E-427C-87BD-A0AF8EBC792A}"/>
+                <a16:creationId xmlns:a16="http://schemas.microsoft.com/office/drawing/2014/main" id="{E170FD2B-DF2E-427C-87BD-A0AF8EBC792A}"/>
               </a:ext>
             </a:extLst>
           </p:cNvPr>
@@ -12377,7 +12017,7 @@
           <p:cNvPr id="18" name="Content Placeholder 2">
             <a:extLst>
               <a:ext uri="{FF2B5EF4-FFF2-40B4-BE49-F238E27FC236}">
-                <a16:creationId xmlns="" xmlns:a16="http://schemas.microsoft.com/office/drawing/2014/main" id="{F57276E2-677C-4F5A-9830-16CDFD243800}"/>
+                <a16:creationId xmlns:a16="http://schemas.microsoft.com/office/drawing/2014/main" id="{F57276E2-677C-4F5A-9830-16CDFD243800}"/>
               </a:ext>
             </a:extLst>
           </p:cNvPr>
@@ -12607,7 +12247,7 @@
               <a:buNone/>
             </a:pPr>
             <a:r>
-              <a:rPr lang="ru-RU" b="1" dirty="0" smtClean="0"/>
+              <a:rPr lang="ru-RU" b="1" dirty="0"/>
               <a:t>рыскание</a:t>
             </a:r>
             <a:endParaRPr lang="en-US" b="1" dirty="0"/>
@@ -12619,7 +12259,7 @@
           <p:cNvPr id="20" name="Content Placeholder 2">
             <a:extLst>
               <a:ext uri="{FF2B5EF4-FFF2-40B4-BE49-F238E27FC236}">
-                <a16:creationId xmlns="" xmlns:a16="http://schemas.microsoft.com/office/drawing/2014/main" id="{F57276E2-677C-4F5A-9830-16CDFD243800}"/>
+                <a16:creationId xmlns:a16="http://schemas.microsoft.com/office/drawing/2014/main" id="{F57276E2-677C-4F5A-9830-16CDFD243800}"/>
               </a:ext>
             </a:extLst>
           </p:cNvPr>
@@ -12849,7 +12489,7 @@
               <a:buNone/>
             </a:pPr>
             <a:r>
-              <a:rPr lang="ru-RU" b="1" dirty="0" err="1" smtClean="0"/>
+              <a:rPr lang="ru-RU" b="1" dirty="0" err="1"/>
               <a:t>тангаж</a:t>
             </a:r>
             <a:endParaRPr lang="en-US" b="1" dirty="0"/>
@@ -12861,7 +12501,7 @@
           <p:cNvPr id="22" name="Content Placeholder 2">
             <a:extLst>
               <a:ext uri="{FF2B5EF4-FFF2-40B4-BE49-F238E27FC236}">
-                <a16:creationId xmlns="" xmlns:a16="http://schemas.microsoft.com/office/drawing/2014/main" id="{F57276E2-677C-4F5A-9830-16CDFD243800}"/>
+                <a16:creationId xmlns:a16="http://schemas.microsoft.com/office/drawing/2014/main" id="{F57276E2-677C-4F5A-9830-16CDFD243800}"/>
               </a:ext>
             </a:extLst>
           </p:cNvPr>
@@ -13091,7 +12731,7 @@
               <a:buNone/>
             </a:pPr>
             <a:r>
-              <a:rPr lang="ru-RU" b="1" dirty="0" smtClean="0"/>
+              <a:rPr lang="ru-RU" b="1" dirty="0"/>
               <a:t>крен</a:t>
             </a:r>
             <a:endParaRPr lang="en-US" b="1" dirty="0"/>
@@ -13163,7 +12803,7 @@
           <p:cNvPr id="2" name="Title 1">
             <a:extLst>
               <a:ext uri="{FF2B5EF4-FFF2-40B4-BE49-F238E27FC236}">
-                <a16:creationId xmlns="" xmlns:a16="http://schemas.microsoft.com/office/drawing/2014/main" id="{EFED4D2C-8290-47C6-8874-27222126A484}"/>
+                <a16:creationId xmlns:a16="http://schemas.microsoft.com/office/drawing/2014/main" id="{EFED4D2C-8290-47C6-8874-27222126A484}"/>
               </a:ext>
             </a:extLst>
           </p:cNvPr>
@@ -13182,7 +12822,7 @@
           <a:lstStyle/>
           <a:p>
             <a:r>
-              <a:rPr lang="ru-RU" b="1" dirty="0" smtClean="0"/>
+              <a:rPr lang="ru-RU" b="1" dirty="0"/>
               <a:t>Использование гироскопа для поворотов</a:t>
             </a:r>
             <a:endParaRPr lang="en-US" b="1" dirty="0"/>
@@ -13194,7 +12834,7 @@
           <p:cNvPr id="3" name="Content Placeholder 2">
             <a:extLst>
               <a:ext uri="{FF2B5EF4-FFF2-40B4-BE49-F238E27FC236}">
-                <a16:creationId xmlns="" xmlns:a16="http://schemas.microsoft.com/office/drawing/2014/main" id="{9ADE296E-04DF-45D1-A790-7C97ED9FB817}"/>
+                <a16:creationId xmlns:a16="http://schemas.microsoft.com/office/drawing/2014/main" id="{9ADE296E-04DF-45D1-A790-7C97ED9FB817}"/>
               </a:ext>
             </a:extLst>
           </p:cNvPr>
@@ -13219,77 +12859,25 @@
           <a:p>
             <a:r>
               <a:rPr lang="ru-RU" dirty="0"/>
-              <a:t>Датчик гироскопа может быть запрограммирован, чтобы измерить отклонение от </a:t>
-            </a:r>
-            <a:r>
-              <a:rPr lang="ru-RU" dirty="0" smtClean="0"/>
-              <a:t>курса, </a:t>
-            </a:r>
+              <a:t>Датчик гироскопа может быть запрограммирован, чтобы измерить отклонение от курса, продольный и поперечный крен.</a:t>
+            </a:r>
+          </a:p>
+          <a:p>
             <a:r>
               <a:rPr lang="ru-RU" dirty="0"/>
-              <a:t>продольный и поперечный </a:t>
-            </a:r>
-            <a:r>
-              <a:rPr lang="ru-RU" dirty="0" smtClean="0"/>
-              <a:t>крен.</a:t>
+              <a:t>Эти значения могут определить повороты робот вокруг осей x, y, или z.</a:t>
             </a:r>
           </a:p>
           <a:p>
             <a:r>
               <a:rPr lang="ru-RU" dirty="0"/>
-              <a:t>Эти </a:t>
-            </a:r>
-            <a:r>
-              <a:rPr lang="ru-RU" dirty="0" smtClean="0"/>
-              <a:t>значения могут определить </a:t>
-            </a:r>
+              <a:t>На этом уроке мы изучим отклонения от курса, которое может использоваться, чтобы определить повороты робота влево или вправо.</a:t>
+            </a:r>
+          </a:p>
+          <a:p>
             <a:r>
               <a:rPr lang="ru-RU" dirty="0"/>
-              <a:t>повороты </a:t>
-            </a:r>
-            <a:r>
-              <a:rPr lang="ru-RU" dirty="0" smtClean="0"/>
-              <a:t>робот вокруг осей x</a:t>
-            </a:r>
-            <a:r>
-              <a:rPr lang="ru-RU" dirty="0"/>
-              <a:t>, y, или </a:t>
-            </a:r>
-            <a:r>
-              <a:rPr lang="ru-RU" dirty="0" smtClean="0"/>
-              <a:t>z.</a:t>
-            </a:r>
-          </a:p>
-          <a:p>
-            <a:r>
-              <a:rPr lang="ru-RU" dirty="0"/>
-              <a:t>На этом уроке мы </a:t>
-            </a:r>
-            <a:r>
-              <a:rPr lang="ru-RU" dirty="0" smtClean="0"/>
-              <a:t>изучим отклонения </a:t>
-            </a:r>
-            <a:r>
-              <a:rPr lang="ru-RU" dirty="0"/>
-              <a:t>от курса, которое может использоваться, чтобы </a:t>
-            </a:r>
-            <a:r>
-              <a:rPr lang="ru-RU" dirty="0" smtClean="0"/>
-              <a:t>определить повороты робота влево или вправо.</a:t>
-            </a:r>
-          </a:p>
-          <a:p>
-            <a:r>
-              <a:rPr lang="ru-RU" dirty="0"/>
-              <a:t>Для продольного и поперечного крена робот использует силу тяжести, чтобы определить </a:t>
-            </a:r>
-            <a:r>
-              <a:rPr lang="ru-RU" dirty="0" smtClean="0"/>
-              <a:t>нулевое значение. Поверхность на </a:t>
-            </a:r>
-            <a:r>
-              <a:rPr lang="ru-RU" dirty="0"/>
-              <a:t>земле - </a:t>
+              <a:t>Для продольного и поперечного крена робот использует силу тяжести, чтобы определить нулевое значение. Поверхность на земле - </a:t>
             </a:r>
             <a:r>
               <a:rPr lang="ru-RU" dirty="0" err="1"/>
@@ -13297,82 +12885,34 @@
             </a:r>
             <a:r>
               <a:rPr lang="ru-RU" dirty="0"/>
-              <a:t> </a:t>
-            </a:r>
-            <a:r>
-              <a:rPr lang="ru-RU" dirty="0" smtClean="0"/>
-              <a:t>0 и крен 0</a:t>
-            </a:r>
-            <a:r>
-              <a:rPr lang="en-US" dirty="0" smtClean="0"/>
+              <a:t> 0 и крен 0</a:t>
+            </a:r>
+            <a:r>
+              <a:rPr lang="en-US" dirty="0"/>
               <a:t>. </a:t>
             </a:r>
-            <a:endParaRPr lang="ru-RU" dirty="0" smtClean="0"/>
+            <a:endParaRPr lang="ru-RU" dirty="0"/>
           </a:p>
           <a:p>
             <a:r>
               <a:rPr lang="ru-RU" dirty="0"/>
-              <a:t>Для отклонения от курса у робота нет </a:t>
-            </a:r>
-            <a:r>
-              <a:rPr lang="ru-RU" dirty="0" smtClean="0"/>
-              <a:t>компаса для определения, </a:t>
+              <a:t>Для отклонения от курса у робота нет компаса для определения, что является севером или югом. Поэтому Вы должны определить роботу, что является нолем. Это делается в блоке “установить угол рыскания </a:t>
+            </a:r>
+            <a:r>
+              <a:rPr lang="ru-RU" dirty="0" err="1"/>
+              <a:t>Хаба</a:t>
             </a:r>
             <a:r>
               <a:rPr lang="ru-RU" dirty="0"/>
-              <a:t>что является севером или югом. Поэтому Вы должны </a:t>
-            </a:r>
-            <a:r>
-              <a:rPr lang="ru-RU" dirty="0" smtClean="0"/>
-              <a:t>определить роботу, </a:t>
-            </a:r>
+              <a:t> на 0”. </a:t>
+            </a:r>
+            <a:endParaRPr lang="en-US" dirty="0"/>
+          </a:p>
+          <a:p>
+            <a:pPr lvl="1"/>
             <a:r>
               <a:rPr lang="ru-RU" dirty="0"/>
-              <a:t>что </a:t>
-            </a:r>
-            <a:r>
-              <a:rPr lang="ru-RU" dirty="0" smtClean="0"/>
-              <a:t>является нолем</a:t>
-            </a:r>
-            <a:r>
-              <a:rPr lang="ru-RU" dirty="0"/>
-              <a:t>. Это </a:t>
-            </a:r>
-            <a:r>
-              <a:rPr lang="ru-RU" dirty="0" smtClean="0"/>
-              <a:t>делается в блоке “установить угол рыскания </a:t>
-            </a:r>
-            <a:r>
-              <a:rPr lang="ru-RU" dirty="0" err="1" smtClean="0"/>
-              <a:t>Хаба</a:t>
-            </a:r>
-            <a:r>
-              <a:rPr lang="ru-RU" dirty="0" smtClean="0"/>
-              <a:t> на 0”. </a:t>
-            </a:r>
-            <a:endParaRPr lang="en-US" dirty="0"/>
-          </a:p>
-          <a:p>
-            <a:pPr lvl="1"/>
-            <a:r>
-              <a:rPr lang="ru-RU" dirty="0" smtClean="0"/>
-              <a:t>Обратите </a:t>
-            </a:r>
-            <a:r>
-              <a:rPr lang="ru-RU" dirty="0"/>
-              <a:t>внимание, что </a:t>
-            </a:r>
-            <a:r>
-              <a:rPr lang="ru-RU" dirty="0" smtClean="0"/>
-              <a:t>движение по </a:t>
-            </a:r>
-            <a:r>
-              <a:rPr lang="ru-RU" dirty="0"/>
-              <a:t>часовой стрелке положительное </a:t>
-            </a:r>
-            <a:r>
-              <a:rPr lang="ru-RU" dirty="0" smtClean="0"/>
-              <a:t>при измерении рыскания.</a:t>
+              <a:t>Обратите внимание, что движение по часовой стрелке положительное при измерении рыскания.</a:t>
             </a:r>
             <a:endParaRPr lang="en-US" dirty="0"/>
           </a:p>
@@ -13383,7 +12923,7 @@
           <p:cNvPr id="4" name="Footer Placeholder 3">
             <a:extLst>
               <a:ext uri="{FF2B5EF4-FFF2-40B4-BE49-F238E27FC236}">
-                <a16:creationId xmlns="" xmlns:a16="http://schemas.microsoft.com/office/drawing/2014/main" id="{F1CA1115-2379-41AF-9666-D6261AEA3E5D}"/>
+                <a16:creationId xmlns:a16="http://schemas.microsoft.com/office/drawing/2014/main" id="{F1CA1115-2379-41AF-9666-D6261AEA3E5D}"/>
               </a:ext>
             </a:extLst>
           </p:cNvPr>
@@ -13416,7 +12956,7 @@
           <p:cNvPr id="5" name="Slide Number Placeholder 4">
             <a:extLst>
               <a:ext uri="{FF2B5EF4-FFF2-40B4-BE49-F238E27FC236}">
-                <a16:creationId xmlns="" xmlns:a16="http://schemas.microsoft.com/office/drawing/2014/main" id="{1EC6768D-44FF-408C-9CAA-968843E22254}"/>
+                <a16:creationId xmlns:a16="http://schemas.microsoft.com/office/drawing/2014/main" id="{1EC6768D-44FF-408C-9CAA-968843E22254}"/>
               </a:ext>
             </a:extLst>
           </p:cNvPr>
@@ -13529,7 +13069,7 @@
           <p:cNvPr id="2" name="Title 1">
             <a:extLst>
               <a:ext uri="{FF2B5EF4-FFF2-40B4-BE49-F238E27FC236}">
-                <a16:creationId xmlns="" xmlns:a16="http://schemas.microsoft.com/office/drawing/2014/main" id="{E03C9979-E62C-4389-AEFE-7B6524849D0B}"/>
+                <a16:creationId xmlns:a16="http://schemas.microsoft.com/office/drawing/2014/main" id="{E03C9979-E62C-4389-AEFE-7B6524849D0B}"/>
               </a:ext>
             </a:extLst>
           </p:cNvPr>
@@ -13551,7 +13091,7 @@
           <a:lstStyle/>
           <a:p>
             <a:r>
-              <a:rPr lang="ru-RU" b="1" dirty="0" smtClean="0"/>
+              <a:rPr lang="ru-RU" b="1" dirty="0"/>
               <a:t>Задача 1</a:t>
             </a:r>
             <a:endParaRPr lang="en-US" b="1" dirty="0"/>
@@ -13563,7 +13103,7 @@
           <p:cNvPr id="3" name="Content Placeholder 2">
             <a:extLst>
               <a:ext uri="{FF2B5EF4-FFF2-40B4-BE49-F238E27FC236}">
-                <a16:creationId xmlns="" xmlns:a16="http://schemas.microsoft.com/office/drawing/2014/main" id="{364434DB-EDF7-4C4B-9C46-D70EBCE5B1FB}"/>
+                <a16:creationId xmlns:a16="http://schemas.microsoft.com/office/drawing/2014/main" id="{364434DB-EDF7-4C4B-9C46-D70EBCE5B1FB}"/>
               </a:ext>
             </a:extLst>
           </p:cNvPr>
@@ -13585,113 +13125,64 @@
           <a:lstStyle/>
           <a:p>
             <a:r>
-              <a:rPr lang="ru-RU" dirty="0" smtClean="0"/>
-              <a:t>Напишем </a:t>
-            </a:r>
-            <a:r>
               <a:rPr lang="ru-RU" dirty="0"/>
-              <a:t>программу, которая поворачивает </a:t>
-            </a:r>
-            <a:r>
-              <a:rPr lang="ru-RU" dirty="0" smtClean="0"/>
-              <a:t>направо на 90 градусов.</a:t>
-            </a:r>
-          </a:p>
-          <a:p>
-            <a:r>
-              <a:rPr lang="ru-RU" dirty="0" smtClean="0"/>
+              <a:t>Напишем программу, которая поворачивает направо на 90 градусов.</a:t>
+            </a:r>
+          </a:p>
+          <a:p>
+            <a:r>
+              <a:rPr lang="ru-RU" dirty="0"/>
               <a:t>Основные шаги</a:t>
             </a:r>
             <a:r>
-              <a:rPr lang="en-US" dirty="0" smtClean="0"/>
+              <a:rPr lang="en-US" dirty="0"/>
               <a:t>:</a:t>
             </a:r>
+          </a:p>
+          <a:p>
+            <a:pPr lvl="1"/>
+            <a:r>
+              <a:rPr lang="ru-RU" dirty="0"/>
+              <a:t>Заставим Нашего робота медленно поворачивать направо, просто включив мотор левого колеса.</a:t>
+            </a:r>
             <a:endParaRPr lang="en-US" dirty="0"/>
           </a:p>
           <a:p>
+            <a:pPr lvl="2"/>
+            <a:r>
+              <a:rPr lang="ru-RU" dirty="0"/>
+              <a:t>Используем небольшие значения скорости, чтобы повороты были более  точными.</a:t>
+            </a:r>
+            <a:endParaRPr lang="en-US" dirty="0"/>
+          </a:p>
+          <a:p>
             <a:pPr lvl="1"/>
             <a:r>
-              <a:rPr lang="ru-RU" dirty="0" smtClean="0"/>
-              <a:t>Заставим Нашего робота </a:t>
-            </a:r>
-            <a:r>
               <a:rPr lang="ru-RU" dirty="0"/>
-              <a:t>медленно </a:t>
-            </a:r>
-            <a:r>
-              <a:rPr lang="ru-RU" dirty="0" smtClean="0"/>
-              <a:t>поворачивать </a:t>
+              <a:t>Сбросим угол рыскания </a:t>
+            </a:r>
+            <a:r>
+              <a:rPr lang="ru-RU" dirty="0" err="1"/>
+              <a:t>Хаба</a:t>
             </a:r>
             <a:r>
               <a:rPr lang="ru-RU" dirty="0"/>
-              <a:t>направо, просто </a:t>
-            </a:r>
-            <a:r>
-              <a:rPr lang="ru-RU" dirty="0" smtClean="0"/>
-              <a:t>включив мотор левого колеса.</a:t>
-            </a:r>
-            <a:endParaRPr lang="en-US" dirty="0" smtClean="0"/>
-          </a:p>
-          <a:p>
-            <a:pPr lvl="2"/>
-            <a:r>
-              <a:rPr lang="ru-RU" dirty="0" smtClean="0"/>
-              <a:t>Используем небольшие значения скорости, </a:t>
-            </a:r>
+              <a:t> на 0.</a:t>
+            </a:r>
+            <a:endParaRPr lang="en-US" dirty="0"/>
+          </a:p>
+          <a:p>
+            <a:pPr lvl="1"/>
             <a:r>
               <a:rPr lang="ru-RU" dirty="0"/>
-              <a:t>чтобы </a:t>
-            </a:r>
-            <a:r>
-              <a:rPr lang="ru-RU" dirty="0" smtClean="0"/>
-              <a:t>повороты были более  точными.</a:t>
-            </a:r>
-            <a:endParaRPr lang="en-US" dirty="0" smtClean="0"/>
+              <a:t>Ждем, пока угол рыскания гироскопа не достиг необходимого значения.</a:t>
+            </a:r>
+            <a:endParaRPr lang="en-US" dirty="0"/>
           </a:p>
           <a:p>
             <a:pPr lvl="1"/>
             <a:r>
-              <a:rPr lang="ru-RU" dirty="0" smtClean="0"/>
-              <a:t>Сбросим угол рыскания </a:t>
-            </a:r>
-            <a:r>
-              <a:rPr lang="ru-RU" dirty="0" err="1" smtClean="0"/>
-              <a:t>Хаба</a:t>
-            </a:r>
-            <a:r>
-              <a:rPr lang="ru-RU" dirty="0" smtClean="0"/>
-              <a:t> на 0.</a:t>
-            </a:r>
-            <a:endParaRPr lang="en-US" dirty="0" smtClean="0"/>
-          </a:p>
-          <a:p>
-            <a:pPr lvl="1"/>
-            <a:r>
-              <a:rPr lang="ru-RU" dirty="0" smtClean="0"/>
-              <a:t>Ждем, </a:t>
-            </a:r>
-            <a:r>
               <a:rPr lang="ru-RU" dirty="0"/>
-              <a:t>пока угол </a:t>
-            </a:r>
-            <a:r>
-              <a:rPr lang="ru-RU" dirty="0" smtClean="0"/>
-              <a:t>рыскания гироскопа </a:t>
-            </a:r>
-            <a:r>
-              <a:rPr lang="ru-RU" dirty="0"/>
-              <a:t>не достиг </a:t>
-            </a:r>
-            <a:r>
-              <a:rPr lang="ru-RU" dirty="0" smtClean="0"/>
-              <a:t>необходимого значения.</a:t>
-            </a:r>
-            <a:endParaRPr lang="en-US" dirty="0"/>
-          </a:p>
-          <a:p>
-            <a:pPr lvl="1"/>
-            <a:r>
-              <a:rPr lang="ru-RU" dirty="0" smtClean="0"/>
               <a:t>Остановим движение</a:t>
             </a:r>
             <a:endParaRPr lang="en-US" dirty="0"/>
@@ -13706,7 +13197,7 @@
           <p:cNvPr id="4" name="Footer Placeholder 3">
             <a:extLst>
               <a:ext uri="{FF2B5EF4-FFF2-40B4-BE49-F238E27FC236}">
-                <a16:creationId xmlns="" xmlns:a16="http://schemas.microsoft.com/office/drawing/2014/main" id="{441CE01D-D1AA-4D7C-94E1-4D6A4CD8F3B8}"/>
+                <a16:creationId xmlns:a16="http://schemas.microsoft.com/office/drawing/2014/main" id="{441CE01D-D1AA-4D7C-94E1-4D6A4CD8F3B8}"/>
               </a:ext>
             </a:extLst>
           </p:cNvPr>
@@ -13739,7 +13230,7 @@
           <p:cNvPr id="5" name="Slide Number Placeholder 4">
             <a:extLst>
               <a:ext uri="{FF2B5EF4-FFF2-40B4-BE49-F238E27FC236}">
-                <a16:creationId xmlns="" xmlns:a16="http://schemas.microsoft.com/office/drawing/2014/main" id="{CC522D4F-450C-467A-A356-7BE901C26E30}"/>
+                <a16:creationId xmlns:a16="http://schemas.microsoft.com/office/drawing/2014/main" id="{CC522D4F-450C-467A-A356-7BE901C26E30}"/>
               </a:ext>
             </a:extLst>
           </p:cNvPr>
@@ -13858,7 +13349,7 @@
           <p:cNvPr id="2" name="Title 1">
             <a:extLst>
               <a:ext uri="{FF2B5EF4-FFF2-40B4-BE49-F238E27FC236}">
-                <a16:creationId xmlns="" xmlns:a16="http://schemas.microsoft.com/office/drawing/2014/main" id="{EB51AEF8-6917-4792-9527-2EC4D49DDC10}"/>
+                <a16:creationId xmlns:a16="http://schemas.microsoft.com/office/drawing/2014/main" id="{EB51AEF8-6917-4792-9527-2EC4D49DDC10}"/>
               </a:ext>
             </a:extLst>
           </p:cNvPr>
@@ -13881,11 +13372,7 @@
           <a:p>
             <a:r>
               <a:rPr lang="ru-RU" b="1" dirty="0"/>
-              <a:t>Задача </a:t>
-            </a:r>
-            <a:r>
-              <a:rPr lang="ru-RU" b="1" dirty="0" smtClean="0"/>
-              <a:t>1: решение</a:t>
+              <a:t>Задача 1: решение</a:t>
             </a:r>
             <a:endParaRPr lang="en-US" dirty="0"/>
           </a:p>
@@ -13896,7 +13383,7 @@
           <p:cNvPr id="4" name="Footer Placeholder 3">
             <a:extLst>
               <a:ext uri="{FF2B5EF4-FFF2-40B4-BE49-F238E27FC236}">
-                <a16:creationId xmlns="" xmlns:a16="http://schemas.microsoft.com/office/drawing/2014/main" id="{44577B8E-018D-430B-B156-258226AC3F2E}"/>
+                <a16:creationId xmlns:a16="http://schemas.microsoft.com/office/drawing/2014/main" id="{44577B8E-018D-430B-B156-258226AC3F2E}"/>
               </a:ext>
             </a:extLst>
           </p:cNvPr>
@@ -13929,7 +13416,7 @@
           <p:cNvPr id="5" name="Slide Number Placeholder 4">
             <a:extLst>
               <a:ext uri="{FF2B5EF4-FFF2-40B4-BE49-F238E27FC236}">
-                <a16:creationId xmlns="" xmlns:a16="http://schemas.microsoft.com/office/drawing/2014/main" id="{13B71F25-C8DB-4A5A-A61B-5802BD5C3332}"/>
+                <a16:creationId xmlns:a16="http://schemas.microsoft.com/office/drawing/2014/main" id="{13B71F25-C8DB-4A5A-A61B-5802BD5C3332}"/>
               </a:ext>
             </a:extLst>
           </p:cNvPr>
@@ -14096,7 +13583,7 @@
           <p:cNvPr id="2" name="Title 1">
             <a:extLst>
               <a:ext uri="{FF2B5EF4-FFF2-40B4-BE49-F238E27FC236}">
-                <a16:creationId xmlns="" xmlns:a16="http://schemas.microsoft.com/office/drawing/2014/main" id="{256070FB-BEBF-43D6-8D0F-CFB875686873}"/>
+                <a16:creationId xmlns:a16="http://schemas.microsoft.com/office/drawing/2014/main" id="{256070FB-BEBF-43D6-8D0F-CFB875686873}"/>
               </a:ext>
             </a:extLst>
           </p:cNvPr>
@@ -14113,7 +13600,7 @@
           <a:lstStyle/>
           <a:p>
             <a:r>
-              <a:rPr lang="ru-RU" b="1" dirty="0" smtClean="0"/>
+              <a:rPr lang="ru-RU" b="1" dirty="0"/>
               <a:t>Повороты направо и налево</a:t>
             </a:r>
             <a:endParaRPr lang="en-US" b="1" dirty="0"/>
@@ -14125,7 +13612,7 @@
           <p:cNvPr id="4" name="Footer Placeholder 3">
             <a:extLst>
               <a:ext uri="{FF2B5EF4-FFF2-40B4-BE49-F238E27FC236}">
-                <a16:creationId xmlns="" xmlns:a16="http://schemas.microsoft.com/office/drawing/2014/main" id="{CFE31069-D297-4581-9BE6-3CDB26C11FDD}"/>
+                <a16:creationId xmlns:a16="http://schemas.microsoft.com/office/drawing/2014/main" id="{CFE31069-D297-4581-9BE6-3CDB26C11FDD}"/>
               </a:ext>
             </a:extLst>
           </p:cNvPr>
@@ -14158,7 +13645,7 @@
           <p:cNvPr id="5" name="Slide Number Placeholder 4">
             <a:extLst>
               <a:ext uri="{FF2B5EF4-FFF2-40B4-BE49-F238E27FC236}">
-                <a16:creationId xmlns="" xmlns:a16="http://schemas.microsoft.com/office/drawing/2014/main" id="{4F5F5DDD-258F-43A2-8EB6-D066E5011820}"/>
+                <a16:creationId xmlns:a16="http://schemas.microsoft.com/office/drawing/2014/main" id="{4F5F5DDD-258F-43A2-8EB6-D066E5011820}"/>
               </a:ext>
             </a:extLst>
           </p:cNvPr>
@@ -14187,7 +13674,7 @@
           <p:cNvPr id="10" name="Content Placeholder 9">
             <a:extLst>
               <a:ext uri="{FF2B5EF4-FFF2-40B4-BE49-F238E27FC236}">
-                <a16:creationId xmlns="" xmlns:a16="http://schemas.microsoft.com/office/drawing/2014/main" id="{09717EA9-E217-4AB7-9358-AD920AA61FA9}"/>
+                <a16:creationId xmlns:a16="http://schemas.microsoft.com/office/drawing/2014/main" id="{09717EA9-E217-4AB7-9358-AD920AA61FA9}"/>
               </a:ext>
             </a:extLst>
           </p:cNvPr>
@@ -14212,17 +13699,12 @@
           <a:p>
             <a:r>
               <a:rPr lang="ru-RU" dirty="0"/>
-              <a:t>Чтобы изменить направление </a:t>
-            </a:r>
-            <a:r>
-              <a:rPr lang="ru-RU" dirty="0" smtClean="0"/>
-              <a:t>поворота</a:t>
-            </a:r>
-            <a:r>
-              <a:rPr lang="en-US" dirty="0" smtClean="0"/>
+              <a:t>Чтобы изменить направление поворота</a:t>
+            </a:r>
+            <a:r>
+              <a:rPr lang="en-US" dirty="0"/>
               <a:t>:</a:t>
             </a:r>
-            <a:endParaRPr lang="en-US" dirty="0"/>
           </a:p>
           <a:p>
             <a:pPr marL="666900" lvl="1" indent="-342900">
@@ -14230,7 +13712,7 @@
               <a:buAutoNum type="arabicPeriod"/>
             </a:pPr>
             <a:r>
-              <a:rPr lang="ru-RU" dirty="0" smtClean="0"/>
+              <a:rPr lang="ru-RU" dirty="0"/>
               <a:t>Изменить скорость  поворачиваемого колеса.</a:t>
             </a:r>
           </a:p>
@@ -14240,24 +13722,8 @@
               <a:buAutoNum type="arabicPeriod"/>
             </a:pPr>
             <a:r>
-              <a:rPr lang="ru-RU" dirty="0" smtClean="0"/>
-              <a:t>Угол </a:t>
-            </a:r>
-            <a:r>
               <a:rPr lang="ru-RU" dirty="0"/>
-              <a:t>должен быть-90 </a:t>
-            </a:r>
-            <a:r>
-              <a:rPr lang="ru-RU" dirty="0" smtClean="0"/>
-              <a:t>градусов </a:t>
-            </a:r>
-            <a:r>
-              <a:rPr lang="ru-RU" dirty="0"/>
-              <a:t>вместо 90 </a:t>
-            </a:r>
-            <a:r>
-              <a:rPr lang="ru-RU" dirty="0" smtClean="0"/>
-              <a:t>градусов.</a:t>
+              <a:t>Угол должен быть-90 градусов вместо 90 градусов.</a:t>
             </a:r>
           </a:p>
           <a:p>
@@ -14267,11 +13733,7 @@
             </a:pPr>
             <a:r>
               <a:rPr lang="ru-RU" dirty="0"/>
-              <a:t>Сравнение должно быть “&lt;“вместо “&gt;”, так как угол </a:t>
-            </a:r>
-            <a:r>
-              <a:rPr lang="ru-RU" dirty="0" smtClean="0"/>
-              <a:t>уменьшается, а не увеличивается.</a:t>
+              <a:t>Сравнение должно быть “&lt;“вместо “&gt;”, так как угол уменьшается, а не увеличивается.</a:t>
             </a:r>
             <a:endParaRPr lang="en-US" dirty="0"/>
           </a:p>
@@ -14282,7 +13744,7 @@
           <p:cNvPr id="12" name="Rectangle 11">
             <a:extLst>
               <a:ext uri="{FF2B5EF4-FFF2-40B4-BE49-F238E27FC236}">
-                <a16:creationId xmlns="" xmlns:a16="http://schemas.microsoft.com/office/drawing/2014/main" id="{281BE9D6-1D67-43EE-9095-0550AF28047A}"/>
+                <a16:creationId xmlns:a16="http://schemas.microsoft.com/office/drawing/2014/main" id="{281BE9D6-1D67-43EE-9095-0550AF28047A}"/>
               </a:ext>
             </a:extLst>
           </p:cNvPr>
@@ -14334,7 +13796,7 @@
           <p:cNvPr id="13" name="Rectangle 12">
             <a:extLst>
               <a:ext uri="{FF2B5EF4-FFF2-40B4-BE49-F238E27FC236}">
-                <a16:creationId xmlns="" xmlns:a16="http://schemas.microsoft.com/office/drawing/2014/main" id="{65EF16EF-0772-4A79-BBE0-509C36A43DAC}"/>
+                <a16:creationId xmlns:a16="http://schemas.microsoft.com/office/drawing/2014/main" id="{65EF16EF-0772-4A79-BBE0-509C36A43DAC}"/>
               </a:ext>
             </a:extLst>
           </p:cNvPr>
@@ -14386,7 +13848,7 @@
           <p:cNvPr id="9" name="TextBox 8">
             <a:extLst>
               <a:ext uri="{FF2B5EF4-FFF2-40B4-BE49-F238E27FC236}">
-                <a16:creationId xmlns="" xmlns:a16="http://schemas.microsoft.com/office/drawing/2014/main" id="{06D3F8A2-EAF3-4C95-ACB3-586D181CFC3B}"/>
+                <a16:creationId xmlns:a16="http://schemas.microsoft.com/office/drawing/2014/main" id="{06D3F8A2-EAF3-4C95-ACB3-586D181CFC3B}"/>
               </a:ext>
             </a:extLst>
           </p:cNvPr>
@@ -14411,7 +13873,7 @@
           <a:p>
             <a:pPr algn="ctr"/>
             <a:r>
-              <a:rPr lang="ru-RU" b="1" dirty="0" smtClean="0"/>
+              <a:rPr lang="ru-RU" b="1" dirty="0"/>
               <a:t>Поворот направо</a:t>
             </a:r>
             <a:endParaRPr lang="en-US" b="1" dirty="0"/>
@@ -14423,7 +13885,7 @@
           <p:cNvPr id="16" name="Rectangle 15">
             <a:extLst>
               <a:ext uri="{FF2B5EF4-FFF2-40B4-BE49-F238E27FC236}">
-                <a16:creationId xmlns="" xmlns:a16="http://schemas.microsoft.com/office/drawing/2014/main" id="{A79FC711-8248-45E2-8835-FC22D7C01E07}"/>
+                <a16:creationId xmlns:a16="http://schemas.microsoft.com/office/drawing/2014/main" id="{A79FC711-8248-45E2-8835-FC22D7C01E07}"/>
               </a:ext>
             </a:extLst>
           </p:cNvPr>
@@ -14479,7 +13941,7 @@
           <p:cNvPr id="17" name="Rectangle 16">
             <a:extLst>
               <a:ext uri="{FF2B5EF4-FFF2-40B4-BE49-F238E27FC236}">
-                <a16:creationId xmlns="" xmlns:a16="http://schemas.microsoft.com/office/drawing/2014/main" id="{8D79DEE1-CF92-4C2E-A853-0E299A7FD0F3}"/>
+                <a16:creationId xmlns:a16="http://schemas.microsoft.com/office/drawing/2014/main" id="{8D79DEE1-CF92-4C2E-A853-0E299A7FD0F3}"/>
               </a:ext>
             </a:extLst>
           </p:cNvPr>
@@ -14535,7 +13997,7 @@
           <p:cNvPr id="18" name="TextBox 17">
             <a:extLst>
               <a:ext uri="{FF2B5EF4-FFF2-40B4-BE49-F238E27FC236}">
-                <a16:creationId xmlns="" xmlns:a16="http://schemas.microsoft.com/office/drawing/2014/main" id="{06D3F8A2-EAF3-4C95-ACB3-586D181CFC3B}"/>
+                <a16:creationId xmlns:a16="http://schemas.microsoft.com/office/drawing/2014/main" id="{06D3F8A2-EAF3-4C95-ACB3-586D181CFC3B}"/>
               </a:ext>
             </a:extLst>
           </p:cNvPr>
@@ -14560,7 +14022,7 @@
           <a:p>
             <a:pPr algn="ctr"/>
             <a:r>
-              <a:rPr lang="ru-RU" b="1" dirty="0" smtClean="0"/>
+              <a:rPr lang="ru-RU" b="1" dirty="0"/>
               <a:t>Поворот налево</a:t>
             </a:r>
             <a:endParaRPr lang="en-US" b="1" dirty="0"/>
@@ -14750,16 +14212,8 @@
           <a:lstStyle/>
           <a:p>
             <a:r>
-              <a:rPr lang="ru-RU" b="1" dirty="0" smtClean="0"/>
-              <a:t>два </a:t>
-            </a:r>
-            <a:r>
               <a:rPr lang="ru-RU" b="1" dirty="0"/>
-              <a:t>типа </a:t>
-            </a:r>
-            <a:r>
-              <a:rPr lang="ru-RU" b="1" dirty="0" smtClean="0"/>
-              <a:t>поворотов</a:t>
+              <a:t>два типа поворотов</a:t>
             </a:r>
             <a:endParaRPr lang="en-US" b="1" dirty="0"/>
           </a:p>
@@ -14841,7 +14295,7 @@
           <a:p>
             <a:pPr algn="ctr"/>
             <a:r>
-              <a:rPr lang="ru-RU" b="1" dirty="0" smtClean="0">
+              <a:rPr lang="ru-RU" b="1" dirty="0">
                 <a:solidFill>
                   <a:schemeClr val="tx1"/>
                 </a:solidFill>
@@ -14910,23 +14364,7 @@
                   <a:schemeClr val="tx1"/>
                 </a:solidFill>
               </a:rPr>
-              <a:t>Поворот </a:t>
-            </a:r>
-            <a:r>
-              <a:rPr lang="ru-RU" b="1" dirty="0" smtClean="0">
-                <a:solidFill>
-                  <a:schemeClr val="tx1"/>
-                </a:solidFill>
-              </a:rPr>
-              <a:t>на месте на </a:t>
-            </a:r>
-            <a:r>
-              <a:rPr lang="ru-RU" b="1" dirty="0">
-                <a:solidFill>
-                  <a:schemeClr val="tx1"/>
-                </a:solidFill>
-              </a:rPr>
-              <a:t>180 градусов</a:t>
+              <a:t>Поворот на месте на 180 градусов</a:t>
             </a:r>
             <a:endParaRPr lang="en-US" b="1" dirty="0">
               <a:solidFill>
@@ -14959,24 +14397,17 @@
           <a:lstStyle/>
           <a:p>
             <a:r>
-              <a:rPr lang="ru-RU" dirty="0" smtClean="0"/>
-              <a:t>Обратите внимание, </a:t>
-            </a:r>
-            <a:r>
               <a:rPr lang="ru-RU" dirty="0"/>
-              <a:t>где робот </a:t>
-            </a:r>
-            <a:r>
-              <a:rPr lang="ru-RU" dirty="0" smtClean="0"/>
-              <a:t>заканчивает движение после </a:t>
-            </a:r>
+              <a:t>Обратите внимание, где робот заканчивает движение после поворотов на 180 градусов. </a:t>
+            </a:r>
+          </a:p>
+          <a:p>
+            <a:endParaRPr lang="en-US" dirty="0"/>
+          </a:p>
+          <a:p>
             <a:r>
               <a:rPr lang="ru-RU" dirty="0"/>
-              <a:t>поворотов </a:t>
-            </a:r>
-            <a:r>
-              <a:rPr lang="ru-RU" dirty="0" smtClean="0"/>
-              <a:t>на 180 градусов. </a:t>
+              <a:t>При поворотах на месте робот перемещается меньше, и это больше подходит для трудных ситуация. Повороты на месте быстрее, но менее точные.</a:t>
             </a:r>
           </a:p>
           <a:p>
@@ -14984,48 +14415,7 @@
           </a:p>
           <a:p>
             <a:r>
-              <a:rPr lang="ru-RU" dirty="0" smtClean="0"/>
-              <a:t>При поворотах на месте робот </a:t>
-            </a:r>
-            <a:r>
               <a:rPr lang="ru-RU" dirty="0"/>
-              <a:t>перемещается </a:t>
-            </a:r>
-            <a:r>
-              <a:rPr lang="ru-RU" dirty="0" smtClean="0"/>
-              <a:t>меньше</a:t>
-            </a:r>
-            <a:r>
-              <a:rPr lang="ru-RU" dirty="0"/>
-              <a:t>, и это </a:t>
-            </a:r>
-            <a:r>
-              <a:rPr lang="ru-RU" dirty="0" smtClean="0"/>
-              <a:t>больше подходит для трудных ситуация. </a:t>
-            </a:r>
-            <a:r>
-              <a:rPr lang="ru-RU" dirty="0"/>
-              <a:t>Повороты </a:t>
-            </a:r>
-            <a:r>
-              <a:rPr lang="ru-RU" dirty="0" smtClean="0"/>
-              <a:t>на месте быстрее</a:t>
-            </a:r>
-            <a:r>
-              <a:rPr lang="ru-RU" dirty="0"/>
-              <a:t>, но </a:t>
-            </a:r>
-            <a:r>
-              <a:rPr lang="ru-RU" dirty="0" smtClean="0"/>
-              <a:t>менее точные.</a:t>
-            </a:r>
-          </a:p>
-          <a:p>
-            <a:endParaRPr lang="en-US" dirty="0"/>
-          </a:p>
-          <a:p>
-            <a:r>
-              <a:rPr lang="ru-RU" dirty="0" smtClean="0"/>
               <a:t>Вы сами выбираете тип поворота в зависимости от ситуации.</a:t>
             </a:r>
             <a:endParaRPr lang="en-US" dirty="0"/>
@@ -15395,7 +14785,7 @@
           <a:p>
             <a:pPr algn="ctr"/>
             <a:r>
-              <a:rPr lang="ru-RU" b="1" dirty="0" smtClean="0"/>
+              <a:rPr lang="ru-RU" b="1" dirty="0"/>
               <a:t>Движение моторов А и Е</a:t>
             </a:r>
             <a:endParaRPr lang="en-US" b="1" dirty="0"/>
@@ -15703,7 +15093,7 @@
           <a:p>
             <a:pPr algn="ctr"/>
             <a:r>
-              <a:rPr lang="ru-RU" b="1" dirty="0" smtClean="0"/>
+              <a:rPr lang="ru-RU" b="1" dirty="0"/>
               <a:t>Движение мотора А</a:t>
             </a:r>
             <a:endParaRPr lang="en-US" b="1" dirty="0"/>
@@ -15734,7 +15124,7 @@
           <a:p>
             <a:pPr algn="ctr"/>
             <a:r>
-              <a:rPr lang="ru-RU" b="1" dirty="0" smtClean="0"/>
+              <a:rPr lang="ru-RU" b="1" dirty="0"/>
               <a:t>Начальное положение </a:t>
             </a:r>
             <a:endParaRPr lang="en-US" b="1" dirty="0"/>
@@ -15765,7 +15155,7 @@
           <a:p>
             <a:pPr algn="ctr"/>
             <a:r>
-              <a:rPr lang="ru-RU" b="1" dirty="0" smtClean="0"/>
+              <a:rPr lang="ru-RU" b="1" dirty="0"/>
               <a:t>Конечное положение</a:t>
             </a:r>
             <a:endParaRPr lang="en-US" b="1" dirty="0"/>
@@ -16506,7 +15896,7 @@
           <p:cNvPr id="4" name="Slide Number Placeholder 3">
             <a:extLst>
               <a:ext uri="{FF2B5EF4-FFF2-40B4-BE49-F238E27FC236}">
-                <a16:creationId xmlns="" xmlns:a16="http://schemas.microsoft.com/office/drawing/2014/main" id="{A820D3A0-BB1C-4BE8-BDFE-B24894F6E99A}"/>
+                <a16:creationId xmlns:a16="http://schemas.microsoft.com/office/drawing/2014/main" id="{A820D3A0-BB1C-4BE8-BDFE-B24894F6E99A}"/>
               </a:ext>
             </a:extLst>
           </p:cNvPr>
